--- a/Classes/BackDev-07-API.pptx
+++ b/Classes/BackDev-07-API.pptx
@@ -228,7 +228,7 @@
             <a:fld id="{2C5F02C1-A2C2-45D1-8D60-D454C04B5E27}" type="datetimeFigureOut">
               <a:rPr lang="es-CO" smtClean="0"/>
               <a:pPr/>
-              <a:t>22/03/2022</a:t>
+              <a:t>6/09/2023</a:t>
             </a:fld>
             <a:endParaRPr lang="es-CO" dirty="0"/>
           </a:p>
@@ -294,35 +294,35 @@
           <a:p>
             <a:pPr lvl="0"/>
             <a:r>
-              <a:rPr lang="en-US" smtClean="0"/>
+              <a:rPr lang="en-US"/>
               <a:t>Click to edit Master text styles</a:t>
             </a:r>
           </a:p>
           <a:p>
             <a:pPr lvl="1"/>
             <a:r>
-              <a:rPr lang="en-US" smtClean="0"/>
+              <a:rPr lang="en-US"/>
               <a:t>Second level</a:t>
             </a:r>
           </a:p>
           <a:p>
             <a:pPr lvl="2"/>
             <a:r>
-              <a:rPr lang="en-US" smtClean="0"/>
+              <a:rPr lang="en-US"/>
               <a:t>Third level</a:t>
             </a:r>
           </a:p>
           <a:p>
             <a:pPr lvl="3"/>
             <a:r>
-              <a:rPr lang="en-US" smtClean="0"/>
+              <a:rPr lang="en-US"/>
               <a:t>Fourth level</a:t>
             </a:r>
           </a:p>
           <a:p>
             <a:pPr lvl="4"/>
             <a:r>
-              <a:rPr lang="en-US" smtClean="0"/>
+              <a:rPr lang="en-US"/>
               <a:t>Fifth level</a:t>
             </a:r>
             <a:endParaRPr lang="es-CO"/>
@@ -631,12 +631,12 @@
           <a:lstStyle/>
           <a:p>
             <a:r>
-              <a:rPr lang="es-CO" dirty="0" smtClean="0"/>
+              <a:rPr lang="es-CO" dirty="0"/>
               <a:t>https://www.sydle.com/es/blog/api-6214f68876950e47761c40e7/</a:t>
             </a:r>
           </a:p>
           <a:p>
-            <a:endParaRPr lang="es-CO" dirty="0" smtClean="0"/>
+            <a:endParaRPr lang="es-CO" dirty="0"/>
           </a:p>
           <a:p>
             <a:pPr marL="0" marR="0" lvl="0" indent="0" algn="l" defTabSz="914400" rtl="0" eaLnBrk="1" fontAlgn="auto" latinLnBrk="0" hangingPunct="1">
@@ -657,7 +657,7 @@
               <a:defRPr/>
             </a:pPr>
             <a:r>
-              <a:rPr lang="es-CO" dirty="0" smtClean="0"/>
+              <a:rPr lang="es-CO" dirty="0"/>
               <a:t>Los protocolos de API permiten estandarizar el intercambio de datos entre los diferentes servicios web. Esto brinda la oportunidad de acceder a capacidades en diversos sistemas, a través de diferentes lenguajes de programación y en distintos sistemas operativos.</a:t>
             </a:r>
           </a:p>
@@ -679,7 +679,7 @@
               <a:tabLst/>
               <a:defRPr/>
             </a:pPr>
-            <a:endParaRPr lang="es-CO" dirty="0" smtClean="0"/>
+            <a:endParaRPr lang="es-CO" dirty="0"/>
           </a:p>
           <a:p>
             <a:pPr marL="0" marR="0" lvl="0" indent="0" algn="l" defTabSz="914400" rtl="0" eaLnBrk="1" fontAlgn="auto" latinLnBrk="0" hangingPunct="1">
@@ -700,14 +700,14 @@
               <a:defRPr/>
             </a:pPr>
             <a:r>
-              <a:rPr lang="es-CO" dirty="0" smtClean="0"/>
+              <a:rPr lang="es-CO" dirty="0"/>
               <a:t>El protocolo establece la forma en como conversar</a:t>
             </a:r>
             <a:r>
-              <a:rPr lang="es-CO" baseline="0" dirty="0" smtClean="0"/>
+              <a:rPr lang="es-CO" baseline="0" dirty="0"/>
               <a:t> con la API</a:t>
             </a:r>
-            <a:endParaRPr lang="es-CO" dirty="0" smtClean="0"/>
+            <a:endParaRPr lang="es-CO" dirty="0"/>
           </a:p>
           <a:p>
             <a:endParaRPr lang="es-CO" dirty="0"/>
@@ -796,12 +796,12 @@
           <a:lstStyle/>
           <a:p>
             <a:r>
-              <a:rPr lang="es-CO" dirty="0" smtClean="0"/>
+              <a:rPr lang="es-CO" dirty="0"/>
               <a:t>https://www.sydle.com/es/blog/api-6214f68876950e47761c40e7/</a:t>
             </a:r>
           </a:p>
           <a:p>
-            <a:endParaRPr lang="es-CO" dirty="0" smtClean="0"/>
+            <a:endParaRPr lang="es-CO" dirty="0"/>
           </a:p>
           <a:p>
             <a:pPr marL="171450" indent="-171450">
@@ -809,11 +809,11 @@
               <a:buChar char="-"/>
             </a:pPr>
             <a:r>
-              <a:rPr lang="es-CO" b="1" dirty="0" smtClean="0"/>
+              <a:rPr lang="es-CO" b="1" dirty="0"/>
               <a:t>RPC</a:t>
             </a:r>
             <a:r>
-              <a:rPr lang="es-CO" dirty="0" smtClean="0"/>
+              <a:rPr lang="es-CO" dirty="0"/>
               <a:t>: Permite que las API puedan adherirse a los principios de intercambio de recursos (Un cliente que solicita y un servidor que proporciona)</a:t>
             </a:r>
           </a:p>
@@ -823,11 +823,11 @@
               <a:buChar char="-"/>
             </a:pPr>
             <a:r>
-              <a:rPr lang="es-CO" b="1" dirty="0" smtClean="0"/>
+              <a:rPr lang="es-CO" b="1" dirty="0"/>
               <a:t>SOAP</a:t>
             </a:r>
             <a:r>
-              <a:rPr lang="es-CO" dirty="0" smtClean="0"/>
+              <a:rPr lang="es-CO" dirty="0"/>
               <a:t>: Activo el intercambio de información de manera estructurada usando XML</a:t>
             </a:r>
           </a:p>
@@ -837,15 +837,15 @@
               <a:buChar char="-"/>
             </a:pPr>
             <a:r>
-              <a:rPr lang="es-CO" b="1" dirty="0" smtClean="0"/>
+              <a:rPr lang="es-CO" b="1" dirty="0"/>
               <a:t>REST</a:t>
             </a:r>
             <a:r>
-              <a:rPr lang="es-CO" dirty="0" smtClean="0"/>
+              <a:rPr lang="es-CO" dirty="0"/>
               <a:t>:</a:t>
             </a:r>
             <a:r>
-              <a:rPr lang="es-CO" baseline="0" dirty="0" smtClean="0"/>
+              <a:rPr lang="es-CO" baseline="0" dirty="0"/>
               <a:t> Brinda una alternativa a SOAP, facilitando el uso compartido de recursos y simplificando la comunicación usando JSON</a:t>
             </a:r>
           </a:p>
@@ -855,11 +855,11 @@
               <a:buChar char="-"/>
             </a:pPr>
             <a:r>
-              <a:rPr lang="es-CO" b="1" baseline="0" dirty="0" err="1" smtClean="0"/>
+              <a:rPr lang="es-CO" b="1" baseline="0" dirty="0" err="1"/>
               <a:t>GraphQL</a:t>
             </a:r>
             <a:r>
-              <a:rPr lang="es-CO" baseline="0" dirty="0" smtClean="0"/>
+              <a:rPr lang="es-CO" baseline="0" dirty="0"/>
               <a:t>: Permite que el cliente detalle los datos que necesita y simplifica la adición de información a través de múltiples fuentes,</a:t>
             </a:r>
             <a:endParaRPr lang="es-CO" dirty="0"/>
@@ -948,16 +948,15 @@
           <a:lstStyle/>
           <a:p>
             <a:r>
-              <a:rPr lang="es-CO" dirty="0" smtClean="0"/>
+              <a:rPr lang="es-CO" dirty="0"/>
               <a:t>https://rapidapi.com/blog/api-vs-web-service/</a:t>
             </a:r>
           </a:p>
           <a:p>
             <a:r>
-              <a:rPr lang="es-CO" dirty="0" smtClean="0"/>
+              <a:rPr lang="es-CO" dirty="0"/>
               <a:t>https://labs.tadigital.com/index.php/2018/10/29/web-services-or-web-api/</a:t>
             </a:r>
-            <a:endParaRPr lang="es-CO" dirty="0"/>
           </a:p>
         </p:txBody>
       </p:sp>
@@ -1045,7 +1044,7 @@
           <a:lstStyle/>
           <a:p>
             <a:r>
-              <a:rPr lang="es-CO" dirty="0" smtClean="0"/>
+              <a:rPr lang="es-CO" dirty="0"/>
               <a:t>https://www.contentstack.com/blog/tech-talk/effective-restful-api-design-principles/</a:t>
             </a:r>
           </a:p>
@@ -1055,27 +1054,27 @@
               <a:buChar char="-"/>
             </a:pPr>
             <a:r>
-              <a:rPr lang="es-CO" b="1" dirty="0" smtClean="0"/>
+              <a:rPr lang="es-CO" b="1" dirty="0"/>
               <a:t>Seguras</a:t>
             </a:r>
             <a:r>
-              <a:rPr lang="es-CO" dirty="0" smtClean="0"/>
+              <a:rPr lang="es-CO" dirty="0"/>
               <a:t>: use SSL/TLS, Use </a:t>
             </a:r>
             <a:r>
-              <a:rPr lang="es-CO" dirty="0" err="1" smtClean="0"/>
+              <a:rPr lang="es-CO" dirty="0" err="1"/>
               <a:t>tokens</a:t>
             </a:r>
             <a:r>
-              <a:rPr lang="es-CO" dirty="0" smtClean="0"/>
+              <a:rPr lang="es-CO" dirty="0"/>
               <a:t> de </a:t>
             </a:r>
             <a:r>
-              <a:rPr lang="es-CO" dirty="0" err="1" smtClean="0"/>
+              <a:rPr lang="es-CO" dirty="0" err="1"/>
               <a:t>autenticacion</a:t>
             </a:r>
             <a:r>
-              <a:rPr lang="es-CO" baseline="0" dirty="0" smtClean="0"/>
+              <a:rPr lang="es-CO" baseline="0" dirty="0"/>
               <a:t> y autorización (JWT)</a:t>
             </a:r>
           </a:p>
@@ -1085,7 +1084,7 @@
               <a:buChar char="-"/>
             </a:pPr>
             <a:r>
-              <a:rPr lang="es-CO" b="1" baseline="0" dirty="0" smtClean="0"/>
+              <a:rPr lang="es-CO" b="1" baseline="0" dirty="0"/>
               <a:t>Peticiones claras: </a:t>
             </a:r>
           </a:p>
@@ -1095,15 +1094,15 @@
               <a:buChar char="-"/>
             </a:pPr>
             <a:r>
-              <a:rPr lang="es-CO" dirty="0" smtClean="0"/>
+              <a:rPr lang="es-CO" dirty="0"/>
               <a:t>Use Nombres de Recursos (</a:t>
             </a:r>
             <a:r>
-              <a:rPr lang="es-CO" dirty="0" err="1" smtClean="0"/>
+              <a:rPr lang="es-CO" dirty="0" err="1"/>
               <a:t>products</a:t>
             </a:r>
             <a:r>
-              <a:rPr lang="es-CO" dirty="0" smtClean="0"/>
+              <a:rPr lang="es-CO" dirty="0"/>
               <a:t>)</a:t>
             </a:r>
           </a:p>
@@ -1113,27 +1112,27 @@
               <a:buChar char="-"/>
             </a:pPr>
             <a:r>
-              <a:rPr lang="es-CO" dirty="0" smtClean="0"/>
+              <a:rPr lang="es-CO" dirty="0"/>
               <a:t>Use</a:t>
             </a:r>
             <a:r>
-              <a:rPr lang="es-CO" baseline="0" dirty="0" smtClean="0"/>
+              <a:rPr lang="es-CO" baseline="0" dirty="0"/>
               <a:t> </a:t>
             </a:r>
             <a:r>
-              <a:rPr lang="es-CO" baseline="0" dirty="0" err="1" smtClean="0"/>
+              <a:rPr lang="es-CO" baseline="0" dirty="0" err="1"/>
               <a:t>Methodos</a:t>
             </a:r>
             <a:r>
-              <a:rPr lang="es-CO" baseline="0" dirty="0" smtClean="0"/>
+              <a:rPr lang="es-CO" baseline="0" dirty="0"/>
               <a:t> HTTP (GET, POST, PUT, DELETE) (GET/</a:t>
             </a:r>
             <a:r>
-              <a:rPr lang="es-CO" baseline="0" dirty="0" err="1" smtClean="0"/>
+              <a:rPr lang="es-CO" baseline="0" dirty="0" err="1"/>
               <a:t>proudcts</a:t>
             </a:r>
             <a:r>
-              <a:rPr lang="es-CO" baseline="0" dirty="0" smtClean="0"/>
+              <a:rPr lang="es-CO" baseline="0" dirty="0"/>
               <a:t>)</a:t>
             </a:r>
           </a:p>
@@ -1143,15 +1142,15 @@
               <a:buChar char="-"/>
             </a:pPr>
             <a:r>
-              <a:rPr lang="es-CO" baseline="0" dirty="0" smtClean="0"/>
+              <a:rPr lang="es-CO" baseline="0" dirty="0"/>
               <a:t>Use Plural para hacer el </a:t>
             </a:r>
             <a:r>
-              <a:rPr lang="es-CO" baseline="0" dirty="0" err="1" smtClean="0"/>
+              <a:rPr lang="es-CO" baseline="0" dirty="0" err="1"/>
               <a:t>llmado</a:t>
             </a:r>
             <a:r>
-              <a:rPr lang="es-CO" baseline="0" dirty="0" smtClean="0"/>
+              <a:rPr lang="es-CO" baseline="0" dirty="0"/>
               <a:t> mas consistente e intuitivo</a:t>
             </a:r>
           </a:p>
@@ -1161,7 +1160,7 @@
               <a:buChar char="-"/>
             </a:pPr>
             <a:r>
-              <a:rPr lang="es-CO" baseline="0" dirty="0" smtClean="0"/>
+              <a:rPr lang="es-CO" baseline="0" dirty="0"/>
               <a:t>Utilice la jerarquía enlazada en lugar de nombres largos</a:t>
             </a:r>
           </a:p>
@@ -1171,7 +1170,7 @@
               <a:buChar char="-"/>
             </a:pPr>
             <a:r>
-              <a:rPr lang="es-CO" baseline="0" dirty="0" smtClean="0"/>
+              <a:rPr lang="es-CO" baseline="0" dirty="0"/>
               <a:t>Utilice intercambios estándar, aunque puede usar diferentes tipos de datos (Text, JSON, XML, CSV) trate de utilizar JSON por defecto como estándar de industria</a:t>
             </a:r>
           </a:p>
@@ -1181,47 +1180,47 @@
               <a:buChar char="-"/>
             </a:pPr>
             <a:r>
-              <a:rPr lang="es-CO" baseline="0" dirty="0" smtClean="0"/>
+              <a:rPr lang="es-CO" baseline="0" dirty="0"/>
               <a:t>Utilice </a:t>
             </a:r>
             <a:r>
-              <a:rPr lang="es-CO" baseline="0" dirty="0" err="1" smtClean="0"/>
+              <a:rPr lang="es-CO" baseline="0" dirty="0" err="1"/>
               <a:t>Headers</a:t>
             </a:r>
             <a:r>
-              <a:rPr lang="es-CO" baseline="0" dirty="0" smtClean="0"/>
+              <a:rPr lang="es-CO" baseline="0" dirty="0"/>
               <a:t> </a:t>
             </a:r>
             <a:r>
-              <a:rPr lang="es-CO" baseline="0" dirty="0" err="1" smtClean="0"/>
+              <a:rPr lang="es-CO" baseline="0" dirty="0" err="1"/>
               <a:t>Estandar</a:t>
             </a:r>
             <a:r>
-              <a:rPr lang="es-CO" baseline="0" dirty="0" smtClean="0"/>
+              <a:rPr lang="es-CO" baseline="0" dirty="0"/>
               <a:t> (Content-</a:t>
             </a:r>
             <a:r>
-              <a:rPr lang="es-CO" baseline="0" dirty="0" err="1" smtClean="0"/>
+              <a:rPr lang="es-CO" baseline="0" dirty="0" err="1"/>
               <a:t>type</a:t>
             </a:r>
             <a:r>
-              <a:rPr lang="es-CO" baseline="0" dirty="0" smtClean="0"/>
+              <a:rPr lang="es-CO" baseline="0" dirty="0"/>
               <a:t>: </a:t>
             </a:r>
             <a:r>
-              <a:rPr lang="es-CO" baseline="0" dirty="0" err="1" smtClean="0"/>
+              <a:rPr lang="es-CO" baseline="0" dirty="0" err="1"/>
               <a:t>application</a:t>
             </a:r>
             <a:r>
-              <a:rPr lang="es-CO" baseline="0" dirty="0" smtClean="0"/>
+              <a:rPr lang="es-CO" baseline="0" dirty="0"/>
               <a:t>/</a:t>
             </a:r>
             <a:r>
-              <a:rPr lang="es-CO" baseline="0" dirty="0" err="1" smtClean="0"/>
+              <a:rPr lang="es-CO" baseline="0" dirty="0" err="1"/>
               <a:t>json</a:t>
             </a:r>
             <a:r>
-              <a:rPr lang="es-CO" baseline="0" dirty="0" smtClean="0"/>
+              <a:rPr lang="es-CO" baseline="0" dirty="0"/>
               <a:t>)</a:t>
             </a:r>
           </a:p>
@@ -1231,31 +1230,31 @@
               <a:buChar char="-"/>
             </a:pPr>
             <a:r>
-              <a:rPr lang="es-CO" baseline="0" dirty="0" smtClean="0"/>
+              <a:rPr lang="es-CO" baseline="0" dirty="0"/>
               <a:t>Versione sus </a:t>
             </a:r>
             <a:r>
-              <a:rPr lang="es-CO" baseline="0" dirty="0" err="1" smtClean="0"/>
+              <a:rPr lang="es-CO" baseline="0" dirty="0" err="1"/>
               <a:t>APIs</a:t>
             </a:r>
             <a:r>
-              <a:rPr lang="es-CO" baseline="0" dirty="0" smtClean="0"/>
+              <a:rPr lang="es-CO" baseline="0" dirty="0"/>
               <a:t> (GET/v1/</a:t>
             </a:r>
             <a:r>
-              <a:rPr lang="es-CO" baseline="0" dirty="0" err="1" smtClean="0"/>
+              <a:rPr lang="es-CO" baseline="0" dirty="0" err="1"/>
               <a:t>products</a:t>
             </a:r>
             <a:r>
-              <a:rPr lang="es-CO" baseline="0" dirty="0" smtClean="0"/>
+              <a:rPr lang="es-CO" baseline="0" dirty="0"/>
               <a:t>, GET/v2/</a:t>
             </a:r>
             <a:r>
-              <a:rPr lang="es-CO" baseline="0" dirty="0" err="1" smtClean="0"/>
+              <a:rPr lang="es-CO" baseline="0" dirty="0" err="1"/>
               <a:t>products</a:t>
             </a:r>
             <a:r>
-              <a:rPr lang="es-CO" baseline="0" dirty="0" smtClean="0"/>
+              <a:rPr lang="es-CO" baseline="0" dirty="0"/>
               <a:t>)</a:t>
             </a:r>
           </a:p>
@@ -1265,19 +1264,19 @@
               <a:buChar char="-"/>
             </a:pPr>
             <a:r>
-              <a:rPr lang="es-CO" baseline="0" dirty="0" smtClean="0"/>
+              <a:rPr lang="es-CO" baseline="0" dirty="0"/>
               <a:t>Ofrezca maneras de Filtrar, paginar, ordenar y buscar (</a:t>
             </a:r>
             <a:r>
-              <a:rPr lang="es-CO" baseline="0" dirty="0" err="1" smtClean="0"/>
+              <a:rPr lang="es-CO" baseline="0" dirty="0" err="1"/>
               <a:t>Get</a:t>
             </a:r>
             <a:r>
-              <a:rPr lang="es-CO" baseline="0" dirty="0" smtClean="0"/>
+              <a:rPr lang="es-CO" baseline="0" dirty="0"/>
               <a:t> </a:t>
             </a:r>
             <a:r>
-              <a:rPr lang="es-CO" sz="1200" b="0" i="0" kern="1200" dirty="0" smtClean="0">
+              <a:rPr lang="es-CO" sz="1200" b="0" i="0" kern="1200" dirty="0">
                 <a:solidFill>
                   <a:schemeClr val="tx1"/>
                 </a:solidFill>
@@ -1289,7 +1288,7 @@
               <a:t>/v1/</a:t>
             </a:r>
             <a:r>
-              <a:rPr lang="es-CO" sz="1200" b="0" i="0" kern="1200" dirty="0" err="1" smtClean="0">
+              <a:rPr lang="es-CO" sz="1200" b="0" i="0" kern="1200" dirty="0" err="1">
                 <a:solidFill>
                   <a:schemeClr val="tx1"/>
                 </a:solidFill>
@@ -1301,7 +1300,7 @@
               <a:t>products?query</a:t>
             </a:r>
             <a:r>
-              <a:rPr lang="es-CO" sz="1200" b="0" i="0" kern="1200" dirty="0" smtClean="0">
+              <a:rPr lang="es-CO" sz="1200" b="0" i="0" kern="1200" dirty="0">
                 <a:solidFill>
                   <a:schemeClr val="tx1"/>
                 </a:solidFill>
@@ -1313,7 +1312,7 @@
               <a:t>={</a:t>
             </a:r>
             <a:r>
-              <a:rPr lang="es-CO" sz="1200" b="0" i="0" kern="1200" dirty="0" err="1" smtClean="0">
+              <a:rPr lang="es-CO" sz="1200" b="0" i="0" kern="1200" dirty="0" err="1">
                 <a:solidFill>
                   <a:schemeClr val="tx1"/>
                 </a:solidFill>
@@ -1325,7 +1324,7 @@
               <a:t>tags</a:t>
             </a:r>
             <a:r>
-              <a:rPr lang="es-CO" sz="1200" b="0" i="0" kern="1200" dirty="0" smtClean="0">
+              <a:rPr lang="es-CO" sz="1200" b="0" i="0" kern="1200" dirty="0">
                 <a:solidFill>
                   <a:schemeClr val="tx1"/>
                 </a:solidFill>
@@ -1343,7 +1342,7 @@
               <a:buChar char="-"/>
             </a:pPr>
             <a:r>
-              <a:rPr lang="es-CO" sz="1200" b="0" i="0" kern="1200" baseline="0" dirty="0" smtClean="0">
+              <a:rPr lang="es-CO" sz="1200" b="0" i="0" kern="1200" baseline="0" dirty="0">
                 <a:solidFill>
                   <a:schemeClr val="tx1"/>
                 </a:solidFill>
@@ -1355,7 +1354,7 @@
               <a:t>Active la Selección de Campos (</a:t>
             </a:r>
             <a:r>
-              <a:rPr lang="es-CO" sz="1200" b="0" i="0" kern="1200" dirty="0" smtClean="0">
+              <a:rPr lang="es-CO" sz="1200" b="0" i="0" kern="1200" dirty="0">
                 <a:solidFill>
                   <a:schemeClr val="tx1"/>
                 </a:solidFill>
@@ -1367,7 +1366,7 @@
               <a:t>/v1/</a:t>
             </a:r>
             <a:r>
-              <a:rPr lang="es-CO" sz="1200" b="0" i="0" kern="1200" dirty="0" err="1" smtClean="0">
+              <a:rPr lang="es-CO" sz="1200" b="0" i="0" kern="1200" dirty="0" err="1">
                 <a:solidFill>
                   <a:schemeClr val="tx1"/>
                 </a:solidFill>
@@ -1379,7 +1378,7 @@
               <a:t>products?select_fields</a:t>
             </a:r>
             <a:r>
-              <a:rPr lang="es-CO" sz="1200" b="0" i="0" kern="1200" dirty="0" smtClean="0">
+              <a:rPr lang="es-CO" sz="1200" b="0" i="0" kern="1200" dirty="0">
                 <a:solidFill>
                   <a:schemeClr val="tx1"/>
                 </a:solidFill>
@@ -1391,7 +1390,7 @@
               <a:t>[]=</a:t>
             </a:r>
             <a:r>
-              <a:rPr lang="es-CO" sz="1200" b="0" i="0" kern="1200" dirty="0" err="1" smtClean="0">
+              <a:rPr lang="es-CO" sz="1200" b="0" i="0" kern="1200" dirty="0" err="1">
                 <a:solidFill>
                   <a:schemeClr val="tx1"/>
                 </a:solidFill>
@@ -1403,7 +1402,7 @@
               <a:t>title,price,color</a:t>
             </a:r>
             <a:r>
-              <a:rPr lang="es-CO" sz="1200" b="0" i="0" kern="1200" dirty="0" smtClean="0">
+              <a:rPr lang="es-CO" sz="1200" b="0" i="0" kern="1200" dirty="0">
                 <a:solidFill>
                   <a:schemeClr val="tx1"/>
                 </a:solidFill>
@@ -1421,7 +1420,7 @@
               <a:buChar char="-"/>
             </a:pPr>
             <a:r>
-              <a:rPr lang="es-CO" b="1" i="0" kern="1200" baseline="0" dirty="0" smtClean="0">
+              <a:rPr lang="es-CO" b="1" i="0" kern="1200" baseline="0" dirty="0">
                 <a:solidFill>
                   <a:schemeClr val="tx1"/>
                 </a:solidFill>
@@ -1432,7 +1431,7 @@
               </a:rPr>
               <a:t>Estructurar Respuestas:</a:t>
             </a:r>
-            <a:endParaRPr lang="es-CO" b="0" i="0" kern="1200" baseline="0" dirty="0" smtClean="0">
+            <a:endParaRPr lang="es-CO" b="0" i="0" kern="1200" baseline="0" dirty="0">
               <a:solidFill>
                 <a:schemeClr val="tx1"/>
               </a:solidFill>
@@ -1448,7 +1447,7 @@
               <a:buChar char="-"/>
             </a:pPr>
             <a:r>
-              <a:rPr lang="es-CO" b="0" i="0" kern="1200" baseline="0" dirty="0" smtClean="0">
+              <a:rPr lang="es-CO" b="0" i="0" kern="1200" baseline="0" dirty="0">
                 <a:solidFill>
                   <a:schemeClr val="tx1"/>
                 </a:solidFill>
@@ -1466,7 +1465,7 @@
               <a:buChar char="-"/>
             </a:pPr>
             <a:r>
-              <a:rPr lang="es-CO" b="0" i="0" kern="1200" baseline="0" dirty="0" smtClean="0">
+              <a:rPr lang="es-CO" b="0" i="0" kern="1200" baseline="0" dirty="0">
                 <a:solidFill>
                   <a:schemeClr val="tx1"/>
                 </a:solidFill>
@@ -1484,7 +1483,7 @@
               <a:buChar char="-"/>
             </a:pPr>
             <a:r>
-              <a:rPr lang="es-CO" b="0" i="0" kern="1200" baseline="0" dirty="0" smtClean="0">
+              <a:rPr lang="es-CO" b="0" i="0" kern="1200" baseline="0" dirty="0">
                 <a:solidFill>
                   <a:schemeClr val="tx1"/>
                 </a:solidFill>
@@ -1496,7 +1495,7 @@
               <a:t>Use los </a:t>
             </a:r>
             <a:r>
-              <a:rPr lang="es-CO" b="0" i="0" kern="1200" baseline="0" dirty="0" err="1" smtClean="0">
+              <a:rPr lang="es-CO" b="0" i="0" kern="1200" baseline="0" dirty="0" err="1">
                 <a:solidFill>
                   <a:schemeClr val="tx1"/>
                 </a:solidFill>
@@ -1508,7 +1507,7 @@
               <a:t>Headers</a:t>
             </a:r>
             <a:r>
-              <a:rPr lang="es-CO" b="0" i="0" kern="1200" baseline="0" dirty="0" smtClean="0">
+              <a:rPr lang="es-CO" b="0" i="0" kern="1200" baseline="0" dirty="0">
                 <a:solidFill>
                   <a:schemeClr val="tx1"/>
                 </a:solidFill>
@@ -1526,7 +1525,7 @@
               <a:buChar char="-"/>
             </a:pPr>
             <a:r>
-              <a:rPr lang="es-CO" b="1" i="0" kern="1200" baseline="0" dirty="0" smtClean="0">
+              <a:rPr lang="es-CO" b="1" i="0" kern="1200" baseline="0" dirty="0">
                 <a:solidFill>
                   <a:schemeClr val="tx1"/>
                 </a:solidFill>
@@ -1538,7 +1537,7 @@
               <a:t>Documentación: </a:t>
             </a:r>
             <a:r>
-              <a:rPr lang="es-CO" b="0" i="0" kern="1200" baseline="0" dirty="0" smtClean="0">
+              <a:rPr lang="es-CO" b="0" i="0" kern="1200" baseline="0" dirty="0">
                 <a:solidFill>
                   <a:schemeClr val="tx1"/>
                 </a:solidFill>
@@ -1550,7 +1549,7 @@
               <a:t>Genere documentación adecuada de la API y su forma de uso, para ello puede apoyarse en herramientas como </a:t>
             </a:r>
             <a:r>
-              <a:rPr lang="es-CO" b="0" i="0" kern="1200" baseline="0" dirty="0" err="1" smtClean="0">
+              <a:rPr lang="es-CO" b="0" i="0" kern="1200" baseline="0" dirty="0" err="1">
                 <a:solidFill>
                   <a:schemeClr val="tx1"/>
                 </a:solidFill>
@@ -1562,7 +1561,7 @@
               <a:t>Swagger</a:t>
             </a:r>
             <a:r>
-              <a:rPr lang="es-CO" b="0" i="0" kern="1200" baseline="0" dirty="0" smtClean="0">
+              <a:rPr lang="es-CO" b="0" i="0" kern="1200" baseline="0" dirty="0">
                 <a:solidFill>
                   <a:schemeClr val="tx1"/>
                 </a:solidFill>
@@ -1573,14 +1572,14 @@
               </a:rPr>
               <a:t>.</a:t>
             </a:r>
-            <a:endParaRPr lang="es-CO" b="1" baseline="0" dirty="0" smtClean="0"/>
+            <a:endParaRPr lang="es-CO" b="1" baseline="0" dirty="0"/>
           </a:p>
           <a:p>
             <a:pPr marL="628650" lvl="1" indent="-171450">
               <a:buFontTx/>
               <a:buChar char="-"/>
             </a:pPr>
-            <a:endParaRPr lang="es-CO" dirty="0" smtClean="0"/>
+            <a:endParaRPr lang="es-CO" dirty="0"/>
           </a:p>
           <a:p>
             <a:pPr marL="628650" lvl="1" indent="-171450">
@@ -1673,7 +1672,7 @@
           <a:lstStyle/>
           <a:p>
             <a:r>
-              <a:rPr lang="es-CO" smtClean="0"/>
+              <a:rPr lang="es-CO"/>
               <a:t>https://www.altexsoft.com/blog/engineering/what-is-api-definition-types-specifications-documentation/ </a:t>
             </a:r>
           </a:p>
@@ -1764,46 +1763,46 @@
           <a:lstStyle/>
           <a:p>
             <a:r>
-              <a:rPr lang="es-CO" dirty="0" smtClean="0"/>
+              <a:rPr lang="es-CO" dirty="0"/>
               <a:t>https://www.altexsoft.com/blog/engineering/what-is-api-definition-types-specifications-documentation/ </a:t>
             </a:r>
           </a:p>
           <a:p>
             <a:r>
-              <a:rPr lang="es-CO" dirty="0" smtClean="0"/>
+              <a:rPr lang="es-CO" dirty="0"/>
               <a:t>https://www.xataka.com/basics/api-que-sirve</a:t>
             </a:r>
           </a:p>
           <a:p>
             <a:r>
-              <a:rPr lang="es-CO" dirty="0" smtClean="0"/>
+              <a:rPr lang="es-CO" dirty="0"/>
               <a:t>https://platzi.com/tutoriales/1098-ingenieria/2376-que-es-un-api-2/</a:t>
             </a:r>
           </a:p>
           <a:p>
-            <a:endParaRPr lang="es-CO" dirty="0" smtClean="0"/>
-          </a:p>
-          <a:p>
-            <a:r>
-              <a:rPr lang="es-CO" dirty="0" smtClean="0"/>
+            <a:endParaRPr lang="es-CO" dirty="0"/>
+          </a:p>
+          <a:p>
+            <a:r>
+              <a:rPr lang="es-CO" dirty="0"/>
               <a:t>Dicho en otras palabras,</a:t>
             </a:r>
             <a:r>
-              <a:rPr lang="es-CO" baseline="0" dirty="0" smtClean="0"/>
+              <a:rPr lang="es-CO" baseline="0" dirty="0"/>
               <a:t> Una API representa la capacidad de comunicación entre componentes de software.</a:t>
             </a:r>
           </a:p>
           <a:p>
             <a:r>
-              <a:rPr lang="es-CO" baseline="0" dirty="0" smtClean="0"/>
+              <a:rPr lang="es-CO" baseline="0" dirty="0"/>
               <a:t>Podemos decir también que un API, es el conjunto de funciones, métodos o procedimientos que ofrece una biblioteca para ser utilizado por otro software para obtener, enviar o compartir información.</a:t>
             </a:r>
           </a:p>
           <a:p>
-            <a:endParaRPr lang="es-CO" baseline="0" dirty="0" smtClean="0"/>
-          </a:p>
-          <a:p>
-            <a:endParaRPr lang="es-CO" baseline="0" dirty="0" smtClean="0"/>
+            <a:endParaRPr lang="es-CO" baseline="0" dirty="0"/>
+          </a:p>
+          <a:p>
+            <a:endParaRPr lang="es-CO" baseline="0" dirty="0"/>
           </a:p>
           <a:p>
             <a:endParaRPr lang="es-CO" dirty="0"/>
@@ -1892,19 +1891,19 @@
           <a:lstStyle/>
           <a:p>
             <a:r>
-              <a:rPr lang="es-CO" dirty="0" smtClean="0"/>
+              <a:rPr lang="es-CO" dirty="0"/>
               <a:t>https://www.zenvia.com/es/blog/que-es-api/</a:t>
             </a:r>
           </a:p>
           <a:p>
             <a:r>
-              <a:rPr lang="es-CO" dirty="0" smtClean="0"/>
+              <a:rPr lang="es-CO" dirty="0"/>
               <a:t>https://www.xataka.com/basics/api-que-sirve</a:t>
             </a:r>
           </a:p>
           <a:p>
             <a:r>
-              <a:rPr lang="es-CO" dirty="0" smtClean="0"/>
+              <a:rPr lang="es-CO" dirty="0"/>
               <a:t>https://www.sydle.com/es/blog/api-6214f68876950e47761c40e7/</a:t>
             </a:r>
           </a:p>
@@ -1995,28 +1994,28 @@
           <a:lstStyle/>
           <a:p>
             <a:r>
-              <a:rPr lang="es-CO" dirty="0" smtClean="0"/>
+              <a:rPr lang="es-CO" dirty="0"/>
               <a:t>https://www.redhat.com/en/topics/api/what-are-application-programming-interfaces</a:t>
             </a:r>
           </a:p>
           <a:p>
             <a:r>
-              <a:rPr lang="es-CO" dirty="0" smtClean="0"/>
+              <a:rPr lang="es-CO" dirty="0"/>
               <a:t>https://www.sydle.com/es/blog/api-6214f68876950e47761c40e7/</a:t>
             </a:r>
           </a:p>
           <a:p>
             <a:r>
-              <a:rPr lang="es-CO" dirty="0" smtClean="0"/>
+              <a:rPr lang="es-CO" dirty="0"/>
               <a:t>https://www.astera.com/es/tipo/blog/definici%C3%B3n-de-la-API-de-descanso/</a:t>
             </a:r>
           </a:p>
           <a:p>
-            <a:endParaRPr lang="es-CO" dirty="0" smtClean="0"/>
-          </a:p>
-          <a:p>
-            <a:r>
-              <a:rPr lang="es-CO" sz="1200" b="0" i="0" kern="1200" dirty="0" smtClean="0">
+            <a:endParaRPr lang="es-CO" dirty="0"/>
+          </a:p>
+          <a:p>
+            <a:r>
+              <a:rPr lang="es-CO" sz="1200" b="0" i="0" kern="1200" dirty="0">
                 <a:solidFill>
                   <a:schemeClr val="tx1"/>
                 </a:solidFill>
@@ -2028,7 +2027,7 @@
               <a:t>Un</a:t>
             </a:r>
             <a:r>
-              <a:rPr lang="es-CO" sz="1200" b="0" i="0" kern="1200" baseline="0" dirty="0" smtClean="0">
+              <a:rPr lang="es-CO" sz="1200" b="0" i="0" kern="1200" baseline="0" dirty="0">
                 <a:solidFill>
                   <a:schemeClr val="tx1"/>
                 </a:solidFill>
@@ -2039,7 +2038,7 @@
               </a:rPr>
               <a:t> cliente realiza una petición a una API utilizando una acción (GET/POST/PUT/DELETE) y con un formato establecido (XML, JSON) luego el sistema efectúa una operación, dependiendo de la lógica de la API y retorna los datos en el formato dado.</a:t>
             </a:r>
-            <a:endParaRPr lang="es-CO" sz="1200" b="0" i="0" kern="1200" dirty="0" smtClean="0">
+            <a:endParaRPr lang="es-CO" sz="1200" b="0" i="0" kern="1200" dirty="0">
               <a:solidFill>
                 <a:schemeClr val="tx1"/>
               </a:solidFill>
@@ -2050,7 +2049,7 @@
             </a:endParaRPr>
           </a:p>
           <a:p>
-            <a:endParaRPr lang="es-CO" sz="1200" b="0" i="0" kern="1200" dirty="0" smtClean="0">
+            <a:endParaRPr lang="es-CO" sz="1200" b="0" i="0" kern="1200" dirty="0">
               <a:solidFill>
                 <a:schemeClr val="tx1"/>
               </a:solidFill>
@@ -2062,7 +2061,7 @@
           </a:p>
           <a:p>
             <a:r>
-              <a:rPr lang="es-CO" sz="1200" b="0" i="0" kern="1200" dirty="0" smtClean="0">
+              <a:rPr lang="es-CO" sz="1200" b="0" i="0" kern="1200" dirty="0">
                 <a:solidFill>
                   <a:schemeClr val="tx1"/>
                 </a:solidFill>
@@ -2075,7 +2074,7 @@
             </a:r>
           </a:p>
           <a:p>
-            <a:endParaRPr lang="es-CO" sz="1200" b="0" i="0" kern="1200" dirty="0" smtClean="0">
+            <a:endParaRPr lang="es-CO" sz="1200" b="0" i="0" kern="1200" dirty="0">
               <a:solidFill>
                 <a:schemeClr val="tx1"/>
               </a:solidFill>
@@ -2172,13 +2171,13 @@
           <a:lstStyle/>
           <a:p>
             <a:r>
-              <a:rPr lang="es-CO" dirty="0" smtClean="0"/>
+              <a:rPr lang="es-CO" dirty="0"/>
               <a:t>https://www.sydle.com/es/blog/api-6214f68876950e47761c40e7/</a:t>
             </a:r>
           </a:p>
           <a:p>
             <a:r>
-              <a:rPr lang="es-CO" sz="1200" b="1" i="0" kern="1200" dirty="0" smtClean="0">
+              <a:rPr lang="es-CO" sz="1200" b="1" i="0" kern="1200" dirty="0">
                 <a:solidFill>
                   <a:schemeClr val="tx1"/>
                 </a:solidFill>
@@ -2190,7 +2189,7 @@
               <a:t>1. </a:t>
             </a:r>
             <a:r>
-              <a:rPr lang="es-CO" sz="1200" b="1" i="0" kern="1200" dirty="0" err="1" smtClean="0">
+              <a:rPr lang="es-CO" sz="1200" b="1" i="0" kern="1200" dirty="0" err="1">
                 <a:solidFill>
                   <a:schemeClr val="tx1"/>
                 </a:solidFill>
@@ -2202,7 +2201,7 @@
               <a:t>APIs</a:t>
             </a:r>
             <a:r>
-              <a:rPr lang="es-CO" sz="1200" b="1" i="0" kern="1200" dirty="0" smtClean="0">
+              <a:rPr lang="es-CO" sz="1200" b="1" i="0" kern="1200" dirty="0">
                 <a:solidFill>
                   <a:schemeClr val="tx1"/>
                 </a:solidFill>
@@ -2216,7 +2215,7 @@
           </a:p>
           <a:p>
             <a:r>
-              <a:rPr lang="es-CO" sz="1200" b="0" i="0" kern="1200" dirty="0" smtClean="0">
+              <a:rPr lang="es-CO" sz="1200" b="0" i="0" kern="1200" dirty="0">
                 <a:solidFill>
                   <a:schemeClr val="tx1"/>
                 </a:solidFill>
@@ -2228,7 +2227,7 @@
               <a:t>Las </a:t>
             </a:r>
             <a:r>
-              <a:rPr lang="es-CO" sz="1200" b="0" i="0" kern="1200" dirty="0" err="1" smtClean="0">
+              <a:rPr lang="es-CO" sz="1200" b="0" i="0" kern="1200" dirty="0" err="1">
                 <a:solidFill>
                   <a:schemeClr val="tx1"/>
                 </a:solidFill>
@@ -2240,7 +2239,7 @@
               <a:t>APIs</a:t>
             </a:r>
             <a:r>
-              <a:rPr lang="es-CO" sz="1200" b="0" i="0" kern="1200" dirty="0" smtClean="0">
+              <a:rPr lang="es-CO" sz="1200" b="0" i="0" kern="1200" dirty="0">
                 <a:solidFill>
                   <a:schemeClr val="tx1"/>
                 </a:solidFill>
@@ -2252,7 +2251,7 @@
               <a:t> públicas también son conocidas como API abiertas y </a:t>
             </a:r>
             <a:r>
-              <a:rPr lang="es-CO" sz="1200" b="1" i="0" kern="1200" dirty="0" smtClean="0">
+              <a:rPr lang="es-CO" sz="1200" b="1" i="0" kern="1200" dirty="0">
                 <a:solidFill>
                   <a:schemeClr val="tx1"/>
                 </a:solidFill>
@@ -2264,7 +2263,7 @@
               <a:t>están disponibles para que otros usuarios o desarrolladores las empleen con mínimas restricciones</a:t>
             </a:r>
             <a:r>
-              <a:rPr lang="es-CO" sz="1200" b="0" i="0" kern="1200" dirty="0" smtClean="0">
+              <a:rPr lang="es-CO" sz="1200" b="0" i="0" kern="1200" dirty="0">
                 <a:solidFill>
                   <a:schemeClr val="tx1"/>
                 </a:solidFill>
@@ -2278,7 +2277,7 @@
           </a:p>
           <a:p>
             <a:r>
-              <a:rPr lang="es-CO" sz="1200" b="1" i="0" kern="1200" dirty="0" smtClean="0">
+              <a:rPr lang="es-CO" sz="1200" b="1" i="0" kern="1200" dirty="0">
                 <a:solidFill>
                   <a:schemeClr val="tx1"/>
                 </a:solidFill>
@@ -2290,7 +2289,7 @@
               <a:t>2. </a:t>
             </a:r>
             <a:r>
-              <a:rPr lang="es-CO" sz="1200" b="1" i="0" kern="1200" dirty="0" err="1" smtClean="0">
+              <a:rPr lang="es-CO" sz="1200" b="1" i="0" kern="1200" dirty="0" err="1">
                 <a:solidFill>
                   <a:schemeClr val="tx1"/>
                 </a:solidFill>
@@ -2302,7 +2301,7 @@
               <a:t>APIs</a:t>
             </a:r>
             <a:r>
-              <a:rPr lang="es-CO" sz="1200" b="1" i="0" kern="1200" dirty="0" smtClean="0">
+              <a:rPr lang="es-CO" sz="1200" b="1" i="0" kern="1200" dirty="0">
                 <a:solidFill>
                   <a:schemeClr val="tx1"/>
                 </a:solidFill>
@@ -2316,7 +2315,7 @@
           </a:p>
           <a:p>
             <a:r>
-              <a:rPr lang="es-CO" sz="1200" b="0" i="0" kern="1200" dirty="0" smtClean="0">
+              <a:rPr lang="es-CO" sz="1200" b="0" i="0" kern="1200" dirty="0">
                 <a:solidFill>
                   <a:schemeClr val="tx1"/>
                 </a:solidFill>
@@ -2328,7 +2327,7 @@
               <a:t>Las </a:t>
             </a:r>
             <a:r>
-              <a:rPr lang="es-CO" sz="1200" b="0" i="0" kern="1200" dirty="0" err="1" smtClean="0">
+              <a:rPr lang="es-CO" sz="1200" b="0" i="0" kern="1200" dirty="0" err="1">
                 <a:solidFill>
                   <a:schemeClr val="tx1"/>
                 </a:solidFill>
@@ -2340,7 +2339,7 @@
               <a:t>APIs</a:t>
             </a:r>
             <a:r>
-              <a:rPr lang="es-CO" sz="1200" b="0" i="0" kern="1200" dirty="0" smtClean="0">
+              <a:rPr lang="es-CO" sz="1200" b="0" i="0" kern="1200" dirty="0">
                 <a:solidFill>
                   <a:schemeClr val="tx1"/>
                 </a:solidFill>
@@ -2352,7 +2351,7 @@
               <a:t> privadas o internas están ocultas de los usuarios externos y </a:t>
             </a:r>
             <a:r>
-              <a:rPr lang="es-CO" sz="1200" b="1" i="0" kern="1200" dirty="0" smtClean="0">
+              <a:rPr lang="es-CO" sz="1200" b="1" i="0" kern="1200" dirty="0">
                 <a:solidFill>
                   <a:schemeClr val="tx1"/>
                 </a:solidFill>
@@ -2364,7 +2363,7 @@
               <a:t>se exponen únicamente para los sistemas internos de una organización</a:t>
             </a:r>
             <a:r>
-              <a:rPr lang="es-CO" sz="1200" b="0" i="0" kern="1200" dirty="0" smtClean="0">
+              <a:rPr lang="es-CO" sz="1200" b="0" i="0" kern="1200" dirty="0">
                 <a:solidFill>
                   <a:schemeClr val="tx1"/>
                 </a:solidFill>
@@ -2378,7 +2377,7 @@
           </a:p>
           <a:p>
             <a:r>
-              <a:rPr lang="es-CO" sz="1200" b="1" i="0" kern="1200" dirty="0" smtClean="0">
+              <a:rPr lang="es-CO" sz="1200" b="1" i="0" kern="1200" dirty="0">
                 <a:solidFill>
                   <a:schemeClr val="tx1"/>
                 </a:solidFill>
@@ -2390,7 +2389,7 @@
               <a:t>3. </a:t>
             </a:r>
             <a:r>
-              <a:rPr lang="es-CO" sz="1200" b="1" i="0" kern="1200" dirty="0" err="1" smtClean="0">
+              <a:rPr lang="es-CO" sz="1200" b="1" i="0" kern="1200" dirty="0" err="1">
                 <a:solidFill>
                   <a:schemeClr val="tx1"/>
                 </a:solidFill>
@@ -2402,7 +2401,7 @@
               <a:t>APIs</a:t>
             </a:r>
             <a:r>
-              <a:rPr lang="es-CO" sz="1200" b="1" i="0" kern="1200" dirty="0" smtClean="0">
+              <a:rPr lang="es-CO" sz="1200" b="1" i="0" kern="1200" dirty="0">
                 <a:solidFill>
                   <a:schemeClr val="tx1"/>
                 </a:solidFill>
@@ -2416,7 +2415,7 @@
           </a:p>
           <a:p>
             <a:r>
-              <a:rPr lang="es-CO" sz="1200" b="0" i="0" kern="1200" dirty="0" smtClean="0">
+              <a:rPr lang="es-CO" sz="1200" b="0" i="0" kern="1200" dirty="0">
                 <a:solidFill>
                   <a:schemeClr val="tx1"/>
                 </a:solidFill>
@@ -2428,7 +2427,7 @@
               <a:t>Las </a:t>
             </a:r>
             <a:r>
-              <a:rPr lang="es-CO" sz="1200" b="0" i="0" kern="1200" dirty="0" err="1" smtClean="0">
+              <a:rPr lang="es-CO" sz="1200" b="0" i="0" kern="1200" dirty="0" err="1">
                 <a:solidFill>
                   <a:schemeClr val="tx1"/>
                 </a:solidFill>
@@ -2440,7 +2439,7 @@
               <a:t>APIs</a:t>
             </a:r>
             <a:r>
-              <a:rPr lang="es-CO" sz="1200" b="0" i="0" kern="1200" dirty="0" smtClean="0">
+              <a:rPr lang="es-CO" sz="1200" b="0" i="0" kern="1200" dirty="0">
                 <a:solidFill>
                   <a:schemeClr val="tx1"/>
                 </a:solidFill>
@@ -2452,7 +2451,7 @@
               <a:t> de aliados comerciales </a:t>
             </a:r>
             <a:r>
-              <a:rPr lang="es-CO" sz="1200" b="1" i="0" kern="1200" dirty="0" smtClean="0">
+              <a:rPr lang="es-CO" sz="1200" b="1" i="0" kern="1200" dirty="0">
                 <a:solidFill>
                   <a:schemeClr val="tx1"/>
                 </a:solidFill>
@@ -2464,7 +2463,7 @@
               <a:t>son aquellas que se exponen entre los miembros de una alianza comercial</a:t>
             </a:r>
             <a:r>
-              <a:rPr lang="es-CO" sz="1200" b="0" i="0" kern="1200" dirty="0" smtClean="0">
+              <a:rPr lang="es-CO" sz="1200" b="0" i="0" kern="1200" dirty="0">
                 <a:solidFill>
                   <a:schemeClr val="tx1"/>
                 </a:solidFill>
@@ -2478,7 +2477,7 @@
           </a:p>
           <a:p>
             <a:r>
-              <a:rPr lang="es-CO" sz="1200" b="1" i="0" kern="1200" dirty="0" smtClean="0">
+              <a:rPr lang="es-CO" sz="1200" b="1" i="0" kern="1200" dirty="0">
                 <a:solidFill>
                   <a:schemeClr val="tx1"/>
                 </a:solidFill>
@@ -2490,7 +2489,7 @@
               <a:t>4. </a:t>
             </a:r>
             <a:r>
-              <a:rPr lang="es-CO" sz="1200" b="1" i="0" kern="1200" dirty="0" err="1" smtClean="0">
+              <a:rPr lang="es-CO" sz="1200" b="1" i="0" kern="1200" dirty="0" err="1">
                 <a:solidFill>
                   <a:schemeClr val="tx1"/>
                 </a:solidFill>
@@ -2502,7 +2501,7 @@
               <a:t>APIs</a:t>
             </a:r>
             <a:r>
-              <a:rPr lang="es-CO" sz="1200" b="1" i="0" kern="1200" dirty="0" smtClean="0">
+              <a:rPr lang="es-CO" sz="1200" b="1" i="0" kern="1200" dirty="0">
                 <a:solidFill>
                   <a:schemeClr val="tx1"/>
                 </a:solidFill>
@@ -2516,7 +2515,7 @@
           </a:p>
           <a:p>
             <a:r>
-              <a:rPr lang="es-CO" sz="1200" b="0" i="0" kern="1200" dirty="0" smtClean="0">
+              <a:rPr lang="es-CO" sz="1200" b="0" i="0" kern="1200" dirty="0">
                 <a:solidFill>
                   <a:schemeClr val="tx1"/>
                 </a:solidFill>
@@ -2528,7 +2527,7 @@
               <a:t>Las </a:t>
             </a:r>
             <a:r>
-              <a:rPr lang="es-CO" sz="1200" b="0" i="0" kern="1200" dirty="0" err="1" smtClean="0">
+              <a:rPr lang="es-CO" sz="1200" b="0" i="0" kern="1200" dirty="0" err="1">
                 <a:solidFill>
                   <a:schemeClr val="tx1"/>
                 </a:solidFill>
@@ -2540,7 +2539,7 @@
               <a:t>APIs</a:t>
             </a:r>
             <a:r>
-              <a:rPr lang="es-CO" sz="1200" b="0" i="0" kern="1200" dirty="0" smtClean="0">
+              <a:rPr lang="es-CO" sz="1200" b="0" i="0" kern="1200" dirty="0">
                 <a:solidFill>
                   <a:schemeClr val="tx1"/>
                 </a:solidFill>
@@ -2552,7 +2551,7 @@
               <a:t> compuestas </a:t>
             </a:r>
             <a:r>
-              <a:rPr lang="es-CO" sz="1200" b="1" i="0" kern="1200" dirty="0" smtClean="0">
+              <a:rPr lang="es-CO" sz="1200" b="1" i="0" kern="1200" dirty="0">
                 <a:solidFill>
                   <a:schemeClr val="tx1"/>
                 </a:solidFill>
@@ -2564,7 +2563,7 @@
               <a:t>utilizan distintos datos o diversas </a:t>
             </a:r>
             <a:r>
-              <a:rPr lang="es-CO" sz="1200" b="1" i="0" kern="1200" dirty="0" err="1" smtClean="0">
+              <a:rPr lang="es-CO" sz="1200" b="1" i="0" kern="1200" dirty="0" err="1">
                 <a:solidFill>
                   <a:schemeClr val="tx1"/>
                 </a:solidFill>
@@ -2576,7 +2575,7 @@
               <a:t>APIs</a:t>
             </a:r>
             <a:r>
-              <a:rPr lang="es-CO" sz="1200" b="1" i="0" kern="1200" dirty="0" smtClean="0">
+              <a:rPr lang="es-CO" sz="1200" b="1" i="0" kern="1200" dirty="0">
                 <a:solidFill>
                   <a:schemeClr val="tx1"/>
                 </a:solidFill>
@@ -2588,7 +2587,7 @@
               <a:t> de servicio</a:t>
             </a:r>
             <a:r>
-              <a:rPr lang="es-CO" sz="1200" b="0" i="0" kern="1200" dirty="0" smtClean="0">
+              <a:rPr lang="es-CO" sz="1200" b="0" i="0" kern="1200" dirty="0">
                 <a:solidFill>
                   <a:schemeClr val="tx1"/>
                 </a:solidFill>
@@ -2601,7 +2600,7 @@
             </a:r>
           </a:p>
           <a:p>
-            <a:endParaRPr lang="es-CO" sz="1200" b="0" i="0" kern="1200" dirty="0" smtClean="0">
+            <a:endParaRPr lang="es-CO" sz="1200" b="0" i="0" kern="1200" dirty="0">
               <a:solidFill>
                 <a:schemeClr val="tx1"/>
               </a:solidFill>
@@ -2613,7 +2612,7 @@
           </a:p>
           <a:p>
             <a:r>
-              <a:rPr lang="es-CO" sz="1200" b="0" i="0" kern="1200" dirty="0" smtClean="0">
+              <a:rPr lang="es-CO" sz="1200" b="0" i="0" kern="1200" dirty="0">
                 <a:solidFill>
                   <a:schemeClr val="tx1"/>
                 </a:solidFill>
@@ -2625,7 +2624,7 @@
               <a:t>Asimismo, podemos también dividir </a:t>
             </a:r>
             <a:r>
-              <a:rPr lang="es-CO" sz="1200" b="1" i="0" kern="1200" dirty="0" smtClean="0">
+              <a:rPr lang="es-CO" sz="1200" b="1" i="0" kern="1200" dirty="0">
                 <a:solidFill>
                   <a:schemeClr val="tx1"/>
                 </a:solidFill>
@@ -2637,7 +2636,7 @@
               <a:t>las </a:t>
             </a:r>
             <a:r>
-              <a:rPr lang="es-CO" sz="1200" b="1" i="0" kern="1200" dirty="0" err="1" smtClean="0">
+              <a:rPr lang="es-CO" sz="1200" b="1" i="0" kern="1200" dirty="0" err="1">
                 <a:solidFill>
                   <a:schemeClr val="tx1"/>
                 </a:solidFill>
@@ -2649,7 +2648,7 @@
               <a:t>APIs</a:t>
             </a:r>
             <a:r>
-              <a:rPr lang="es-CO" sz="1200" b="1" i="0" kern="1200" dirty="0" smtClean="0">
+              <a:rPr lang="es-CO" sz="1200" b="1" i="0" kern="1200" dirty="0">
                 <a:solidFill>
                   <a:schemeClr val="tx1"/>
                 </a:solidFill>
@@ -2661,7 +2660,7 @@
               <a:t> en cuatro según lo que ofrecen o casos de uso</a:t>
             </a:r>
             <a:r>
-              <a:rPr lang="es-CO" sz="1200" b="0" i="0" kern="1200" dirty="0" smtClean="0">
+              <a:rPr lang="es-CO" sz="1200" b="0" i="0" kern="1200" dirty="0">
                 <a:solidFill>
                   <a:schemeClr val="tx1"/>
                 </a:solidFill>
@@ -2760,16 +2759,16 @@
           <a:lstStyle/>
           <a:p>
             <a:r>
-              <a:rPr lang="es-CO" dirty="0" smtClean="0"/>
+              <a:rPr lang="es-CO" dirty="0"/>
               <a:t>https://www.sydle.com/es/blog/api-6214f68876950e47761c40e7/</a:t>
             </a:r>
           </a:p>
           <a:p>
-            <a:endParaRPr lang="es-CO" dirty="0" smtClean="0"/>
-          </a:p>
-          <a:p>
-            <a:r>
-              <a:rPr lang="es-CO" sz="1200" b="1" i="0" kern="1200" dirty="0" smtClean="0">
+            <a:endParaRPr lang="es-CO" dirty="0"/>
+          </a:p>
+          <a:p>
+            <a:r>
+              <a:rPr lang="es-CO" sz="1200" b="1" i="0" kern="1200" dirty="0">
                 <a:solidFill>
                   <a:schemeClr val="tx1"/>
                 </a:solidFill>
@@ -2783,7 +2782,7 @@
           </a:p>
           <a:p>
             <a:r>
-              <a:rPr lang="es-CO" sz="1200" b="0" i="0" kern="1200" dirty="0" smtClean="0">
+              <a:rPr lang="es-CO" sz="1200" b="0" i="0" kern="1200" dirty="0">
                 <a:solidFill>
                   <a:schemeClr val="tx1"/>
                 </a:solidFill>
@@ -2795,7 +2794,7 @@
               <a:t>Las </a:t>
             </a:r>
             <a:r>
-              <a:rPr lang="es-CO" sz="1200" b="0" i="0" kern="1200" dirty="0" err="1" smtClean="0">
+              <a:rPr lang="es-CO" sz="1200" b="0" i="0" kern="1200" dirty="0" err="1">
                 <a:solidFill>
                   <a:schemeClr val="tx1"/>
                 </a:solidFill>
@@ -2807,7 +2806,7 @@
               <a:t>APIs</a:t>
             </a:r>
             <a:r>
-              <a:rPr lang="es-CO" sz="1200" b="0" i="0" kern="1200" dirty="0" smtClean="0">
+              <a:rPr lang="es-CO" sz="1200" b="0" i="0" kern="1200" dirty="0">
                 <a:solidFill>
                   <a:schemeClr val="tx1"/>
                 </a:solidFill>
@@ -2819,7 +2818,7 @@
               <a:t> de datos proporcionan a varios bancos de datos o proveedores </a:t>
             </a:r>
             <a:r>
-              <a:rPr lang="es-CO" sz="1200" b="1" i="0" kern="1200" dirty="0" smtClean="0">
+              <a:rPr lang="es-CO" sz="1200" b="1" i="0" kern="1200" dirty="0">
                 <a:solidFill>
                   <a:schemeClr val="tx1"/>
                 </a:solidFill>
@@ -2831,7 +2830,7 @@
               <a:t>acceso CRUD</a:t>
             </a:r>
             <a:r>
-              <a:rPr lang="es-CO" sz="1200" b="0" i="0" kern="1200" dirty="0" smtClean="0">
+              <a:rPr lang="es-CO" sz="1200" b="0" i="0" kern="1200" dirty="0">
                 <a:solidFill>
                   <a:schemeClr val="tx1"/>
                 </a:solidFill>
@@ -2843,7 +2842,7 @@
               <a:t> (</a:t>
             </a:r>
             <a:r>
-              <a:rPr lang="es-CO" sz="1200" b="0" i="1" kern="1200" dirty="0" err="1" smtClean="0">
+              <a:rPr lang="es-CO" sz="1200" b="0" i="1" kern="1200" dirty="0" err="1">
                 <a:solidFill>
                   <a:schemeClr val="tx1"/>
                 </a:solidFill>
@@ -2855,7 +2854,7 @@
               <a:t>Create</a:t>
             </a:r>
             <a:r>
-              <a:rPr lang="es-CO" sz="1200" b="0" i="1" kern="1200" dirty="0" smtClean="0">
+              <a:rPr lang="es-CO" sz="1200" b="0" i="1" kern="1200" dirty="0">
                 <a:solidFill>
                   <a:schemeClr val="tx1"/>
                 </a:solidFill>
@@ -2867,7 +2866,7 @@
               <a:t>, </a:t>
             </a:r>
             <a:r>
-              <a:rPr lang="es-CO" sz="1200" b="0" i="1" kern="1200" dirty="0" err="1" smtClean="0">
+              <a:rPr lang="es-CO" sz="1200" b="0" i="1" kern="1200" dirty="0" err="1">
                 <a:solidFill>
                   <a:schemeClr val="tx1"/>
                 </a:solidFill>
@@ -2879,7 +2878,7 @@
               <a:t>Read</a:t>
             </a:r>
             <a:r>
-              <a:rPr lang="es-CO" sz="1200" b="0" i="1" kern="1200" dirty="0" smtClean="0">
+              <a:rPr lang="es-CO" sz="1200" b="0" i="1" kern="1200" dirty="0">
                 <a:solidFill>
                   <a:schemeClr val="tx1"/>
                 </a:solidFill>
@@ -2891,7 +2890,7 @@
               <a:t>, </a:t>
             </a:r>
             <a:r>
-              <a:rPr lang="es-CO" sz="1200" b="0" i="1" kern="1200" dirty="0" err="1" smtClean="0">
+              <a:rPr lang="es-CO" sz="1200" b="0" i="1" kern="1200" dirty="0" err="1">
                 <a:solidFill>
                   <a:schemeClr val="tx1"/>
                 </a:solidFill>
@@ -2903,7 +2902,7 @@
               <a:t>Update</a:t>
             </a:r>
             <a:r>
-              <a:rPr lang="es-CO" sz="1200" b="0" i="1" kern="1200" dirty="0" smtClean="0">
+              <a:rPr lang="es-CO" sz="1200" b="0" i="1" kern="1200" dirty="0">
                 <a:solidFill>
                   <a:schemeClr val="tx1"/>
                 </a:solidFill>
@@ -2915,7 +2914,7 @@
               <a:t>, </a:t>
             </a:r>
             <a:r>
-              <a:rPr lang="es-CO" sz="1200" b="0" i="1" kern="1200" dirty="0" err="1" smtClean="0">
+              <a:rPr lang="es-CO" sz="1200" b="0" i="1" kern="1200" dirty="0" err="1">
                 <a:solidFill>
                   <a:schemeClr val="tx1"/>
                 </a:solidFill>
@@ -2927,7 +2926,7 @@
               <a:t>Delete</a:t>
             </a:r>
             <a:r>
-              <a:rPr lang="es-CO" sz="1200" b="0" i="0" kern="1200" dirty="0" smtClean="0">
+              <a:rPr lang="es-CO" sz="1200" b="0" i="0" kern="1200" dirty="0">
                 <a:solidFill>
                   <a:schemeClr val="tx1"/>
                 </a:solidFill>
@@ -2939,7 +2938,7 @@
               <a:t>) </a:t>
             </a:r>
             <a:r>
-              <a:rPr lang="es-CO" sz="1200" b="1" i="0" kern="1200" dirty="0" smtClean="0">
+              <a:rPr lang="es-CO" sz="1200" b="1" i="0" kern="1200" dirty="0">
                 <a:solidFill>
                   <a:schemeClr val="tx1"/>
                 </a:solidFill>
@@ -2951,7 +2950,7 @@
               <a:t>a conjuntos de datos subyacentes</a:t>
             </a:r>
             <a:r>
-              <a:rPr lang="es-CO" sz="1200" b="0" i="0" kern="1200" dirty="0" smtClean="0">
+              <a:rPr lang="es-CO" sz="1200" b="0" i="0" kern="1200" dirty="0">
                 <a:solidFill>
                   <a:schemeClr val="tx1"/>
                 </a:solidFill>
@@ -2965,7 +2964,7 @@
           </a:p>
           <a:p>
             <a:r>
-              <a:rPr lang="es-CO" sz="1200" b="1" i="0" kern="1200" dirty="0" smtClean="0">
+              <a:rPr lang="es-CO" sz="1200" b="1" i="0" kern="1200" dirty="0">
                 <a:solidFill>
                   <a:schemeClr val="tx1"/>
                 </a:solidFill>
@@ -2979,7 +2978,7 @@
           </a:p>
           <a:p>
             <a:r>
-              <a:rPr lang="es-CO" sz="1200" b="0" i="0" kern="1200" dirty="0" smtClean="0">
+              <a:rPr lang="es-CO" sz="1200" b="0" i="0" kern="1200" dirty="0">
                 <a:solidFill>
                   <a:schemeClr val="tx1"/>
                 </a:solidFill>
@@ -2991,7 +2990,7 @@
               <a:t>Este grupo de </a:t>
             </a:r>
             <a:r>
-              <a:rPr lang="es-CO" sz="1200" b="0" i="0" kern="1200" dirty="0" err="1" smtClean="0">
+              <a:rPr lang="es-CO" sz="1200" b="0" i="0" kern="1200" dirty="0" err="1">
                 <a:solidFill>
                   <a:schemeClr val="tx1"/>
                 </a:solidFill>
@@ -3003,7 +3002,7 @@
               <a:t>APIs</a:t>
             </a:r>
             <a:r>
-              <a:rPr lang="es-CO" sz="1200" b="0" i="0" kern="1200" dirty="0" smtClean="0">
+              <a:rPr lang="es-CO" sz="1200" b="0" i="0" kern="1200" dirty="0">
                 <a:solidFill>
                   <a:schemeClr val="tx1"/>
                 </a:solidFill>
@@ -3015,7 +3014,7 @@
               <a:t> </a:t>
             </a:r>
             <a:r>
-              <a:rPr lang="es-CO" sz="1200" b="1" i="0" kern="1200" dirty="0" smtClean="0">
+              <a:rPr lang="es-CO" sz="1200" b="1" i="0" kern="1200" dirty="0">
                 <a:solidFill>
                   <a:schemeClr val="tx1"/>
                 </a:solidFill>
@@ -3027,7 +3026,7 @@
               <a:t>definen cómo las aplicaciones usan los recursos disponibles y servicios del sistema operativo</a:t>
             </a:r>
             <a:r>
-              <a:rPr lang="es-CO" sz="1200" b="0" i="0" kern="1200" dirty="0" smtClean="0">
+              <a:rPr lang="es-CO" sz="1200" b="0" i="0" kern="1200" dirty="0">
                 <a:solidFill>
                   <a:schemeClr val="tx1"/>
                 </a:solidFill>
@@ -3039,7 +3038,7 @@
               <a:t>. Por lo que cada OS (</a:t>
             </a:r>
             <a:r>
-              <a:rPr lang="es-CO" sz="1200" b="0" i="1" kern="1200" dirty="0" err="1" smtClean="0">
+              <a:rPr lang="es-CO" sz="1200" b="0" i="1" kern="1200" dirty="0" err="1">
                 <a:solidFill>
                   <a:schemeClr val="tx1"/>
                 </a:solidFill>
@@ -3051,7 +3050,7 @@
               <a:t>Operative</a:t>
             </a:r>
             <a:r>
-              <a:rPr lang="es-CO" sz="1200" b="0" i="1" kern="1200" dirty="0" smtClean="0">
+              <a:rPr lang="es-CO" sz="1200" b="0" i="1" kern="1200" dirty="0">
                 <a:solidFill>
                   <a:schemeClr val="tx1"/>
                 </a:solidFill>
@@ -3063,7 +3062,7 @@
               <a:t> </a:t>
             </a:r>
             <a:r>
-              <a:rPr lang="es-CO" sz="1200" b="0" i="1" kern="1200" dirty="0" err="1" smtClean="0">
+              <a:rPr lang="es-CO" sz="1200" b="0" i="1" kern="1200" dirty="0" err="1">
                 <a:solidFill>
                   <a:schemeClr val="tx1"/>
                 </a:solidFill>
@@ -3075,7 +3074,7 @@
               <a:t>System</a:t>
             </a:r>
             <a:r>
-              <a:rPr lang="es-CO" sz="1200" b="0" i="0" kern="1200" dirty="0" smtClean="0">
+              <a:rPr lang="es-CO" sz="1200" b="0" i="0" kern="1200" dirty="0">
                 <a:solidFill>
                   <a:schemeClr val="tx1"/>
                 </a:solidFill>
@@ -3087,7 +3086,7 @@
               <a:t>) posee un conjunto de </a:t>
             </a:r>
             <a:r>
-              <a:rPr lang="es-CO" sz="1200" b="0" i="0" kern="1200" dirty="0" err="1" smtClean="0">
+              <a:rPr lang="es-CO" sz="1200" b="0" i="0" kern="1200" dirty="0" err="1">
                 <a:solidFill>
                   <a:schemeClr val="tx1"/>
                 </a:solidFill>
@@ -3099,7 +3098,7 @@
               <a:t>APIs</a:t>
             </a:r>
             <a:r>
-              <a:rPr lang="es-CO" sz="1200" b="0" i="0" kern="1200" dirty="0" smtClean="0">
+              <a:rPr lang="es-CO" sz="1200" b="0" i="0" kern="1200" dirty="0">
                 <a:solidFill>
                   <a:schemeClr val="tx1"/>
                 </a:solidFill>
@@ -3111,7 +3110,7 @@
               <a:t>, por ejemplo, Windows API o Linux API tienen el </a:t>
             </a:r>
             <a:r>
-              <a:rPr lang="es-CO" sz="1200" b="0" i="1" kern="1200" dirty="0" err="1" smtClean="0">
+              <a:rPr lang="es-CO" sz="1200" b="0" i="1" kern="1200" dirty="0" err="1">
                 <a:solidFill>
                   <a:schemeClr val="tx1"/>
                 </a:solidFill>
@@ -3123,7 +3122,7 @@
               <a:t>kernel-user</a:t>
             </a:r>
             <a:r>
-              <a:rPr lang="es-CO" sz="1200" b="0" i="1" kern="1200" dirty="0" smtClean="0">
+              <a:rPr lang="es-CO" sz="1200" b="0" i="1" kern="1200" dirty="0">
                 <a:solidFill>
                   <a:schemeClr val="tx1"/>
                 </a:solidFill>
@@ -3135,7 +3134,7 @@
               <a:t> </a:t>
             </a:r>
             <a:r>
-              <a:rPr lang="es-CO" sz="1200" b="0" i="1" kern="1200" dirty="0" err="1" smtClean="0">
+              <a:rPr lang="es-CO" sz="1200" b="0" i="1" kern="1200" dirty="0" err="1">
                 <a:solidFill>
                   <a:schemeClr val="tx1"/>
                 </a:solidFill>
@@ -3147,7 +3146,7 @@
               <a:t>space</a:t>
             </a:r>
             <a:r>
-              <a:rPr lang="es-CO" sz="1200" b="0" i="1" kern="1200" dirty="0" smtClean="0">
+              <a:rPr lang="es-CO" sz="1200" b="0" i="1" kern="1200" dirty="0">
                 <a:solidFill>
                   <a:schemeClr val="tx1"/>
                 </a:solidFill>
@@ -3159,7 +3158,7 @@
               <a:t> API</a:t>
             </a:r>
             <a:r>
-              <a:rPr lang="es-CO" sz="1200" b="0" i="0" kern="1200" dirty="0" smtClean="0">
+              <a:rPr lang="es-CO" sz="1200" b="0" i="0" kern="1200" dirty="0">
                 <a:solidFill>
                   <a:schemeClr val="tx1"/>
                 </a:solidFill>
@@ -3171,7 +3170,7 @@
               <a:t> y </a:t>
             </a:r>
             <a:r>
-              <a:rPr lang="es-CO" sz="1200" b="0" i="1" kern="1200" dirty="0" err="1" smtClean="0">
+              <a:rPr lang="es-CO" sz="1200" b="0" i="1" kern="1200" dirty="0" err="1">
                 <a:solidFill>
                   <a:schemeClr val="tx1"/>
                 </a:solidFill>
@@ -3183,7 +3182,7 @@
               <a:t>kernel</a:t>
             </a:r>
             <a:r>
-              <a:rPr lang="es-CO" sz="1200" b="0" i="1" kern="1200" dirty="0" smtClean="0">
+              <a:rPr lang="es-CO" sz="1200" b="0" i="1" kern="1200" dirty="0">
                 <a:solidFill>
                   <a:schemeClr val="tx1"/>
                 </a:solidFill>
@@ -3195,7 +3194,7 @@
               <a:t> </a:t>
             </a:r>
             <a:r>
-              <a:rPr lang="es-CO" sz="1200" b="0" i="1" kern="1200" dirty="0" err="1" smtClean="0">
+              <a:rPr lang="es-CO" sz="1200" b="0" i="1" kern="1200" dirty="0" err="1">
                 <a:solidFill>
                   <a:schemeClr val="tx1"/>
                 </a:solidFill>
@@ -3207,7 +3206,7 @@
               <a:t>internal</a:t>
             </a:r>
             <a:r>
-              <a:rPr lang="es-CO" sz="1200" b="0" i="1" kern="1200" dirty="0" smtClean="0">
+              <a:rPr lang="es-CO" sz="1200" b="0" i="1" kern="1200" dirty="0">
                 <a:solidFill>
                   <a:schemeClr val="tx1"/>
                 </a:solidFill>
@@ -3219,7 +3218,7 @@
               <a:t> API</a:t>
             </a:r>
             <a:r>
-              <a:rPr lang="es-CO" sz="1200" b="0" i="0" kern="1200" dirty="0" smtClean="0">
+              <a:rPr lang="es-CO" sz="1200" b="0" i="0" kern="1200" dirty="0">
                 <a:solidFill>
                   <a:schemeClr val="tx1"/>
                 </a:solidFill>
@@ -3233,7 +3232,7 @@
           </a:p>
           <a:p>
             <a:r>
-              <a:rPr lang="es-CO" sz="1200" b="1" i="0" kern="1200" dirty="0" smtClean="0">
+              <a:rPr lang="es-CO" sz="1200" b="1" i="0" kern="1200" dirty="0">
                 <a:solidFill>
                   <a:schemeClr val="tx1"/>
                 </a:solidFill>
@@ -3245,7 +3244,7 @@
               <a:t>3. </a:t>
             </a:r>
             <a:r>
-              <a:rPr lang="es-CO" sz="1200" b="1" i="0" kern="1200" dirty="0" err="1" smtClean="0">
+              <a:rPr lang="es-CO" sz="1200" b="1" i="0" kern="1200" dirty="0" err="1">
                 <a:solidFill>
                   <a:schemeClr val="tx1"/>
                 </a:solidFill>
@@ -3257,7 +3256,7 @@
               <a:t>APIs</a:t>
             </a:r>
             <a:r>
-              <a:rPr lang="es-CO" sz="1200" b="1" i="0" kern="1200" dirty="0" smtClean="0">
+              <a:rPr lang="es-CO" sz="1200" b="1" i="0" kern="1200" dirty="0">
                 <a:solidFill>
                   <a:schemeClr val="tx1"/>
                 </a:solidFill>
@@ -3271,7 +3270,7 @@
           </a:p>
           <a:p>
             <a:r>
-              <a:rPr lang="es-CO" sz="1200" b="0" i="0" kern="1200" dirty="0" smtClean="0">
+              <a:rPr lang="es-CO" sz="1200" b="0" i="0" kern="1200" dirty="0">
                 <a:solidFill>
                   <a:schemeClr val="tx1"/>
                 </a:solidFill>
@@ -3283,7 +3282,7 @@
               <a:t>Este grupo define los estándares de interacción que las aplicaciones tienen en diferentes dispositivos, es decir, </a:t>
             </a:r>
             <a:r>
-              <a:rPr lang="es-CO" sz="1200" b="1" i="0" kern="1200" dirty="0" smtClean="0">
+              <a:rPr lang="es-CO" sz="1200" b="1" i="0" kern="1200" dirty="0">
                 <a:solidFill>
                   <a:schemeClr val="tx1"/>
                 </a:solidFill>
@@ -3295,7 +3294,7 @@
               <a:t>un software accede a ciertos recursos ubicados fuera del dispositivo que los solicita</a:t>
             </a:r>
             <a:r>
-              <a:rPr lang="es-CO" sz="1200" b="0" i="0" kern="1200" dirty="0" smtClean="0">
+              <a:rPr lang="es-CO" sz="1200" b="0" i="0" kern="1200" dirty="0">
                 <a:solidFill>
                   <a:schemeClr val="tx1"/>
                 </a:solidFill>
@@ -3307,7 +3306,7 @@
               <a:t>, como dice su nombre. Como dos aplicaciones se conectan de forma remota a través de una red, las </a:t>
             </a:r>
             <a:r>
-              <a:rPr lang="es-CO" sz="1200" b="0" i="0" kern="1200" dirty="0" err="1" smtClean="0">
+              <a:rPr lang="es-CO" sz="1200" b="0" i="0" kern="1200" dirty="0" err="1">
                 <a:solidFill>
                   <a:schemeClr val="tx1"/>
                 </a:solidFill>
@@ -3319,7 +3318,7 @@
               <a:t>APIs</a:t>
             </a:r>
             <a:r>
-              <a:rPr lang="es-CO" sz="1200" b="0" i="0" kern="1200" dirty="0" smtClean="0">
+              <a:rPr lang="es-CO" sz="1200" b="0" i="0" kern="1200" dirty="0">
                 <a:solidFill>
                   <a:schemeClr val="tx1"/>
                 </a:solidFill>
@@ -3333,7 +3332,7 @@
           </a:p>
           <a:p>
             <a:r>
-              <a:rPr lang="es-CO" sz="1200" b="1" i="0" kern="1200" dirty="0" smtClean="0">
+              <a:rPr lang="es-CO" sz="1200" b="1" i="0" kern="1200" dirty="0">
                 <a:solidFill>
                   <a:schemeClr val="tx1"/>
                 </a:solidFill>
@@ -3345,7 +3344,7 @@
               <a:t>4. </a:t>
             </a:r>
             <a:r>
-              <a:rPr lang="es-CO" sz="1200" b="1" i="0" kern="1200" dirty="0" err="1" smtClean="0">
+              <a:rPr lang="es-CO" sz="1200" b="1" i="0" kern="1200" dirty="0" err="1">
                 <a:solidFill>
                   <a:schemeClr val="tx1"/>
                 </a:solidFill>
@@ -3357,7 +3356,7 @@
               <a:t>APIs</a:t>
             </a:r>
             <a:r>
-              <a:rPr lang="es-CO" sz="1200" b="1" i="0" kern="1200" dirty="0" smtClean="0">
+              <a:rPr lang="es-CO" sz="1200" b="1" i="0" kern="1200" dirty="0">
                 <a:solidFill>
                   <a:schemeClr val="tx1"/>
                 </a:solidFill>
@@ -3371,7 +3370,7 @@
           </a:p>
           <a:p>
             <a:r>
-              <a:rPr lang="es-CO" sz="1200" b="0" i="0" kern="1200" dirty="0" smtClean="0">
+              <a:rPr lang="es-CO" sz="1200" b="0" i="0" kern="1200" dirty="0">
                 <a:solidFill>
                   <a:schemeClr val="tx1"/>
                 </a:solidFill>
@@ -3383,7 +3382,7 @@
               <a:t>Esta clase de API es la más común, dado que las </a:t>
             </a:r>
             <a:r>
-              <a:rPr lang="es-CO" sz="1200" b="0" i="0" kern="1200" dirty="0" err="1" smtClean="0">
+              <a:rPr lang="es-CO" sz="1200" b="0" i="0" kern="1200" dirty="0" err="1">
                 <a:solidFill>
                   <a:schemeClr val="tx1"/>
                 </a:solidFill>
@@ -3395,7 +3394,7 @@
               <a:t>APIs</a:t>
             </a:r>
             <a:r>
-              <a:rPr lang="es-CO" sz="1200" b="0" i="0" kern="1200" dirty="0" smtClean="0">
+              <a:rPr lang="es-CO" sz="1200" b="0" i="0" kern="1200" dirty="0">
                 <a:solidFill>
                   <a:schemeClr val="tx1"/>
                 </a:solidFill>
@@ -3408,7 +3407,7 @@
             </a:r>
           </a:p>
           <a:p>
-            <a:endParaRPr lang="es-CO" dirty="0" smtClean="0"/>
+            <a:endParaRPr lang="es-CO" dirty="0"/>
           </a:p>
         </p:txBody>
       </p:sp>
@@ -3494,7 +3493,7 @@
           <a:lstStyle/>
           <a:p>
             <a:r>
-              <a:rPr lang="es-CO" dirty="0" smtClean="0"/>
+              <a:rPr lang="es-CO" dirty="0"/>
               <a:t>https://www.viewnext.com/que-es-una-api-y-para-que-sirve/</a:t>
             </a:r>
           </a:p>
@@ -3504,11 +3503,11 @@
               <a:buChar char="-"/>
             </a:pPr>
             <a:r>
-              <a:rPr lang="es-CO" dirty="0" smtClean="0"/>
+              <a:rPr lang="es-CO" dirty="0"/>
               <a:t>Sin importar el lenguaje o la tecnología solo se deben respetar las operaciones y definición de</a:t>
             </a:r>
             <a:r>
-              <a:rPr lang="es-CO" baseline="0" dirty="0" smtClean="0"/>
+              <a:rPr lang="es-CO" baseline="0" dirty="0"/>
               <a:t> la API</a:t>
             </a:r>
           </a:p>
@@ -3518,7 +3517,7 @@
               <a:buChar char="-"/>
             </a:pPr>
             <a:r>
-              <a:rPr lang="es-CO" dirty="0" smtClean="0"/>
+              <a:rPr lang="es-CO" dirty="0"/>
               <a:t>El uso de API, da un mejor rendimiento que un llamado tradicional</a:t>
             </a:r>
           </a:p>
@@ -3528,15 +3527,15 @@
               <a:buChar char="-"/>
             </a:pPr>
             <a:r>
-              <a:rPr lang="es-CO" dirty="0" smtClean="0"/>
+              <a:rPr lang="es-CO" dirty="0"/>
               <a:t>Comunicación usando un lenguaje de Intercambio (</a:t>
             </a:r>
             <a:r>
-              <a:rPr lang="es-CO" u="sng" dirty="0" smtClean="0"/>
+              <a:rPr lang="es-CO" u="sng" dirty="0"/>
               <a:t>XML/JSON</a:t>
             </a:r>
             <a:r>
-              <a:rPr lang="es-CO" dirty="0" smtClean="0"/>
+              <a:rPr lang="es-CO" dirty="0"/>
               <a:t>)</a:t>
             </a:r>
           </a:p>
@@ -3546,7 +3545,7 @@
               <a:buChar char="-"/>
             </a:pPr>
             <a:r>
-              <a:rPr lang="es-CO" dirty="0" smtClean="0"/>
+              <a:rPr lang="es-CO" dirty="0"/>
               <a:t>Permiten crecer fácilmente</a:t>
             </a:r>
           </a:p>
@@ -3556,7 +3555,7 @@
               <a:buChar char="-"/>
             </a:pPr>
             <a:r>
-              <a:rPr lang="es-CO" dirty="0" smtClean="0"/>
+              <a:rPr lang="es-CO" dirty="0"/>
               <a:t>Menor uso de recursos</a:t>
             </a:r>
           </a:p>
@@ -3566,7 +3565,7 @@
               <a:buChar char="-"/>
             </a:pPr>
             <a:r>
-              <a:rPr lang="es-CO" dirty="0" smtClean="0"/>
+              <a:rPr lang="es-CO" dirty="0"/>
               <a:t>Menos procesamiento en el servidor</a:t>
             </a:r>
           </a:p>
@@ -3661,7 +3660,7 @@
           <a:lstStyle/>
           <a:p>
             <a:r>
-              <a:rPr lang="es-CO" dirty="0" smtClean="0"/>
+              <a:rPr lang="es-CO" dirty="0"/>
               <a:t>https://recluit.com/historia-y-evolucion-de-las-api/#.YjlirerMLDc</a:t>
             </a:r>
           </a:p>
@@ -3684,7 +3683,7 @@
               <a:defRPr/>
             </a:pPr>
             <a:r>
-              <a:rPr lang="es-CO" dirty="0" smtClean="0"/>
+              <a:rPr lang="es-CO" dirty="0"/>
               <a:t>La historia de la Interfaz de Programación de Aplicaciones realmente comenzó en los años 60, muy lejos del uso de computadoras personales. Normalmente, se usaba una API como bibliotecas en los sistemas operativos.</a:t>
             </a:r>
           </a:p>
@@ -3707,7 +3706,7 @@
               <a:defRPr/>
             </a:pPr>
             <a:r>
-              <a:rPr lang="es-CO" sz="1200" b="0" i="0" kern="1200" dirty="0" smtClean="0">
+              <a:rPr lang="es-CO" sz="1200" b="0" i="0" kern="1200" dirty="0">
                 <a:solidFill>
                   <a:schemeClr val="tx1"/>
                 </a:solidFill>
@@ -3718,7 +3717,7 @@
               </a:rPr>
               <a:t>En la década de los 70, las API experimentaron su primer gran salto en progreso gracias a los sistemas distribuidos. Surgieron métodos que permitieron el acceso remoto a la API de procedimientos al tiempo que evitaban la sobrecarga típica del programador mediante el empaquetado y desempaquetado de datos requerido para la interoperación entre diferentes tipos de computadoras.</a:t>
             </a:r>
-            <a:endParaRPr lang="es-CO" dirty="0" smtClean="0"/>
+            <a:endParaRPr lang="es-CO" dirty="0"/>
           </a:p>
           <a:p>
             <a:endParaRPr lang="es-CO" dirty="0"/>
@@ -3879,7 +3878,7 @@
           </a:lstStyle>
           <a:p>
             <a:r>
-              <a:rPr lang="en-US" smtClean="0"/>
+              <a:rPr lang="en-US"/>
               <a:t>Click to edit Master title style</a:t>
             </a:r>
             <a:endParaRPr lang="es-CO"/>
@@ -3998,7 +3997,7 @@
           </a:lstStyle>
           <a:p>
             <a:r>
-              <a:rPr lang="en-US" smtClean="0"/>
+              <a:rPr lang="en-US"/>
               <a:t>Click to edit Master subtitle style</a:t>
             </a:r>
             <a:endParaRPr lang="es-CO"/>
@@ -4023,7 +4022,7 @@
             <a:fld id="{42C1F1CB-57C8-46CD-A207-903DDF210919}" type="datetimeFigureOut">
               <a:rPr lang="es-CO" smtClean="0"/>
               <a:pPr/>
-              <a:t>22/03/2022</a:t>
+              <a:t>6/09/2023</a:t>
             </a:fld>
             <a:endParaRPr lang="es-CO" dirty="0"/>
           </a:p>
@@ -4197,7 +4196,7 @@
           </a:lstStyle>
           <a:p>
             <a:r>
-              <a:rPr lang="en-US" smtClean="0"/>
+              <a:rPr lang="en-US"/>
               <a:t>Click to edit Master title style</a:t>
             </a:r>
             <a:endParaRPr lang="es-CO"/>
@@ -4316,7 +4315,7 @@
           </a:lstStyle>
           <a:p>
             <a:r>
-              <a:rPr lang="en-US" smtClean="0"/>
+              <a:rPr lang="en-US"/>
               <a:t>Click to edit Master subtitle style</a:t>
             </a:r>
             <a:endParaRPr lang="es-CO"/>
@@ -4341,7 +4340,7 @@
             <a:fld id="{42C1F1CB-57C8-46CD-A207-903DDF210919}" type="datetimeFigureOut">
               <a:rPr lang="es-CO" smtClean="0"/>
               <a:pPr/>
-              <a:t>22/03/2022</a:t>
+              <a:t>6/09/2023</a:t>
             </a:fld>
             <a:endParaRPr lang="es-CO" dirty="0"/>
           </a:p>
@@ -4500,7 +4499,7 @@
           <a:lstStyle/>
           <a:p>
             <a:r>
-              <a:rPr lang="en-US" smtClean="0"/>
+              <a:rPr lang="en-US"/>
               <a:t>Click to edit Master title style</a:t>
             </a:r>
             <a:endParaRPr lang="es-CO"/>
@@ -4535,35 +4534,35 @@
           <a:p>
             <a:pPr lvl="0"/>
             <a:r>
-              <a:rPr lang="en-US" smtClean="0"/>
+              <a:rPr lang="en-US"/>
               <a:t>Click to edit Master text styles</a:t>
             </a:r>
           </a:p>
           <a:p>
             <a:pPr lvl="1"/>
             <a:r>
-              <a:rPr lang="en-US" smtClean="0"/>
+              <a:rPr lang="en-US"/>
               <a:t>Second level</a:t>
             </a:r>
           </a:p>
           <a:p>
             <a:pPr lvl="2"/>
             <a:r>
-              <a:rPr lang="en-US" smtClean="0"/>
+              <a:rPr lang="en-US"/>
               <a:t>Third level</a:t>
             </a:r>
           </a:p>
           <a:p>
             <a:pPr lvl="3"/>
             <a:r>
-              <a:rPr lang="en-US" smtClean="0"/>
+              <a:rPr lang="en-US"/>
               <a:t>Fourth level</a:t>
             </a:r>
           </a:p>
           <a:p>
             <a:pPr lvl="4"/>
             <a:r>
-              <a:rPr lang="en-US" smtClean="0"/>
+              <a:rPr lang="en-US"/>
               <a:t>Fifth level</a:t>
             </a:r>
             <a:endParaRPr lang="es-CO" dirty="0"/>
@@ -4588,7 +4587,7 @@
             <a:fld id="{42C1F1CB-57C8-46CD-A207-903DDF210919}" type="datetimeFigureOut">
               <a:rPr lang="es-CO" smtClean="0"/>
               <a:pPr/>
-              <a:t>22/03/2022</a:t>
+              <a:t>6/09/2023</a:t>
             </a:fld>
             <a:endParaRPr lang="es-CO" dirty="0"/>
           </a:p>
@@ -4747,7 +4746,7 @@
           <a:lstStyle/>
           <a:p>
             <a:r>
-              <a:rPr lang="en-US" smtClean="0"/>
+              <a:rPr lang="en-US"/>
               <a:t>Click to edit Master title style</a:t>
             </a:r>
             <a:endParaRPr lang="es-CO"/>
@@ -4776,35 +4775,35 @@
           <a:p>
             <a:pPr lvl="0"/>
             <a:r>
-              <a:rPr lang="en-US" smtClean="0"/>
+              <a:rPr lang="en-US"/>
               <a:t>Click to edit Master text styles</a:t>
             </a:r>
           </a:p>
           <a:p>
             <a:pPr lvl="1"/>
             <a:r>
-              <a:rPr lang="en-US" smtClean="0"/>
+              <a:rPr lang="en-US"/>
               <a:t>Second level</a:t>
             </a:r>
           </a:p>
           <a:p>
             <a:pPr lvl="2"/>
             <a:r>
-              <a:rPr lang="en-US" smtClean="0"/>
+              <a:rPr lang="en-US"/>
               <a:t>Third level</a:t>
             </a:r>
           </a:p>
           <a:p>
             <a:pPr lvl="3"/>
             <a:r>
-              <a:rPr lang="en-US" smtClean="0"/>
+              <a:rPr lang="en-US"/>
               <a:t>Fourth level</a:t>
             </a:r>
           </a:p>
           <a:p>
             <a:pPr lvl="4"/>
             <a:r>
-              <a:rPr lang="en-US" smtClean="0"/>
+              <a:rPr lang="en-US"/>
               <a:t>Fifth level</a:t>
             </a:r>
             <a:endParaRPr lang="es-CO"/>
@@ -4829,7 +4828,7 @@
             <a:fld id="{42C1F1CB-57C8-46CD-A207-903DDF210919}" type="datetimeFigureOut">
               <a:rPr lang="es-CO" smtClean="0"/>
               <a:pPr/>
-              <a:t>22/03/2022</a:t>
+              <a:t>6/09/2023</a:t>
             </a:fld>
             <a:endParaRPr lang="es-CO" dirty="0"/>
           </a:p>
@@ -4988,7 +4987,7 @@
           <a:lstStyle/>
           <a:p>
             <a:r>
-              <a:rPr lang="en-US" smtClean="0"/>
+              <a:rPr lang="en-US"/>
               <a:t>Click to edit Master title style</a:t>
             </a:r>
             <a:endParaRPr lang="es-CO"/>
@@ -5017,35 +5016,35 @@
           <a:p>
             <a:pPr lvl="0"/>
             <a:r>
-              <a:rPr lang="en-US" smtClean="0"/>
+              <a:rPr lang="en-US"/>
               <a:t>Click to edit Master text styles</a:t>
             </a:r>
           </a:p>
           <a:p>
             <a:pPr lvl="1"/>
             <a:r>
-              <a:rPr lang="en-US" smtClean="0"/>
+              <a:rPr lang="en-US"/>
               <a:t>Second level</a:t>
             </a:r>
           </a:p>
           <a:p>
             <a:pPr lvl="2"/>
             <a:r>
-              <a:rPr lang="en-US" smtClean="0"/>
+              <a:rPr lang="en-US"/>
               <a:t>Third level</a:t>
             </a:r>
           </a:p>
           <a:p>
             <a:pPr lvl="3"/>
             <a:r>
-              <a:rPr lang="en-US" smtClean="0"/>
+              <a:rPr lang="en-US"/>
               <a:t>Fourth level</a:t>
             </a:r>
           </a:p>
           <a:p>
             <a:pPr lvl="4"/>
             <a:r>
-              <a:rPr lang="en-US" smtClean="0"/>
+              <a:rPr lang="en-US"/>
               <a:t>Fifth level</a:t>
             </a:r>
             <a:endParaRPr lang="es-CO"/>
@@ -5070,7 +5069,7 @@
             <a:fld id="{42C1F1CB-57C8-46CD-A207-903DDF210919}" type="datetimeFigureOut">
               <a:rPr lang="es-CO" smtClean="0"/>
               <a:pPr/>
-              <a:t>22/03/2022</a:t>
+              <a:t>6/09/2023</a:t>
             </a:fld>
             <a:endParaRPr lang="es-CO" dirty="0"/>
           </a:p>
@@ -5239,7 +5238,7 @@
           <a:lstStyle/>
           <a:p>
             <a:r>
-              <a:rPr lang="en-US" smtClean="0"/>
+              <a:rPr lang="en-US"/>
               <a:t>Click to edit Master title style</a:t>
             </a:r>
             <a:endParaRPr lang="es-CO"/>
@@ -5273,35 +5272,35 @@
           <a:p>
             <a:pPr lvl="0"/>
             <a:r>
-              <a:rPr lang="en-US" smtClean="0"/>
+              <a:rPr lang="en-US"/>
               <a:t>Click to edit Master text styles</a:t>
             </a:r>
           </a:p>
           <a:p>
             <a:pPr lvl="1"/>
             <a:r>
-              <a:rPr lang="en-US" smtClean="0"/>
+              <a:rPr lang="en-US"/>
               <a:t>Second level</a:t>
             </a:r>
           </a:p>
           <a:p>
             <a:pPr lvl="2"/>
             <a:r>
-              <a:rPr lang="en-US" smtClean="0"/>
+              <a:rPr lang="en-US"/>
               <a:t>Third level</a:t>
             </a:r>
           </a:p>
           <a:p>
             <a:pPr lvl="3"/>
             <a:r>
-              <a:rPr lang="en-US" smtClean="0"/>
+              <a:rPr lang="en-US"/>
               <a:t>Fourth level</a:t>
             </a:r>
           </a:p>
           <a:p>
             <a:pPr lvl="4"/>
             <a:r>
-              <a:rPr lang="en-US" smtClean="0"/>
+              <a:rPr lang="en-US"/>
               <a:t>Fifth level</a:t>
             </a:r>
             <a:endParaRPr lang="es-CO" dirty="0"/>
@@ -5344,7 +5343,7 @@
             <a:fld id="{42C1F1CB-57C8-46CD-A207-903DDF210919}" type="datetimeFigureOut">
               <a:rPr lang="es-CO" smtClean="0"/>
               <a:pPr/>
-              <a:t>22/03/2022</a:t>
+              <a:t>6/09/2023</a:t>
             </a:fld>
             <a:endParaRPr lang="es-CO" dirty="0"/>
           </a:p>
@@ -5747,19 +5746,19 @@
           <a:lstStyle/>
           <a:p>
             <a:r>
-              <a:rPr lang="es-CO" dirty="0" err="1" smtClean="0"/>
+              <a:rPr lang="es-CO" dirty="0" err="1"/>
               <a:t>Application</a:t>
             </a:r>
             <a:r>
-              <a:rPr lang="es-CO" dirty="0" smtClean="0"/>
+              <a:rPr lang="es-CO" dirty="0"/>
               <a:t> </a:t>
             </a:r>
             <a:r>
-              <a:rPr lang="es-CO" dirty="0" err="1" smtClean="0"/>
+              <a:rPr lang="es-CO" dirty="0" err="1"/>
               <a:t>Programming</a:t>
             </a:r>
             <a:r>
-              <a:rPr lang="es-CO" dirty="0" smtClean="0"/>
+              <a:rPr lang="es-CO" dirty="0"/>
               <a:t> Interface</a:t>
             </a:r>
           </a:p>
@@ -5789,10 +5788,9 @@
           <a:lstStyle/>
           <a:p>
             <a:r>
-              <a:rPr lang="es-CO" sz="8000" dirty="0" smtClean="0"/>
+              <a:rPr lang="es-CO" sz="8000" dirty="0"/>
               <a:t>API</a:t>
             </a:r>
-            <a:endParaRPr lang="es-CO" sz="8000" dirty="0"/>
           </a:p>
         </p:txBody>
       </p:sp>
@@ -5819,10 +5817,9 @@
           <a:lstStyle/>
           <a:p>
             <a:r>
-              <a:rPr lang="es-CO" dirty="0" smtClean="0"/>
+              <a:rPr lang="es-CO" dirty="0"/>
               <a:t>Julio Cesar Robles Uribe</a:t>
             </a:r>
-            <a:endParaRPr lang="es-CO" dirty="0"/>
           </a:p>
         </p:txBody>
       </p:sp>
@@ -5849,18 +5846,13 @@
           <a:lstStyle/>
           <a:p>
             <a:r>
-              <a:rPr lang="es-CO" sz="1400" dirty="0" smtClean="0">
+              <a:rPr lang="es-CO" sz="1400" dirty="0">
                 <a:solidFill>
                   <a:srgbClr val="0070C0"/>
                 </a:solidFill>
               </a:rPr>
               <a:t>Arquitecto de Soluciones</a:t>
             </a:r>
-            <a:endParaRPr lang="es-CO" sz="1400" dirty="0">
-              <a:solidFill>
-                <a:srgbClr val="0070C0"/>
-              </a:solidFill>
-            </a:endParaRPr>
           </a:p>
         </p:txBody>
       </p:sp>
@@ -5920,13 +5912,6 @@
   <p:clrMapOvr>
     <a:masterClrMapping/>
   </p:clrMapOvr>
-  <p:timing>
-    <p:tnLst>
-      <p:par>
-        <p:cTn id="1" dur="indefinite" restart="never" nodeType="tmRoot"/>
-      </p:par>
-    </p:tnLst>
-  </p:timing>
 </p:sld>
 </file>
 
@@ -5963,10 +5948,9 @@
           <a:lstStyle/>
           <a:p>
             <a:r>
-              <a:rPr lang="es-CO" dirty="0" smtClean="0"/>
+              <a:rPr lang="es-CO" dirty="0"/>
               <a:t>Protocolos de API</a:t>
             </a:r>
-            <a:endParaRPr lang="es-CO" dirty="0"/>
           </a:p>
         </p:txBody>
       </p:sp>
@@ -6053,13 +6037,6 @@
   <p:clrMapOvr>
     <a:masterClrMapping/>
   </p:clrMapOvr>
-  <p:timing>
-    <p:tnLst>
-      <p:par>
-        <p:cTn id="1" dur="indefinite" restart="never" nodeType="tmRoot"/>
-      </p:par>
-    </p:tnLst>
-  </p:timing>
 </p:sld>
 </file>
 
@@ -6096,10 +6073,9 @@
           <a:lstStyle/>
           <a:p>
             <a:r>
-              <a:rPr lang="es-CO" dirty="0" smtClean="0"/>
+              <a:rPr lang="es-CO" dirty="0"/>
               <a:t>Protocolos de API</a:t>
             </a:r>
-            <a:endParaRPr lang="es-CO" dirty="0"/>
           </a:p>
         </p:txBody>
       </p:sp>
@@ -6124,80 +6100,80 @@
           <a:lstStyle/>
           <a:p>
             <a:r>
-              <a:rPr lang="es-CO" dirty="0" err="1" smtClean="0"/>
+              <a:rPr lang="es-CO" dirty="0" err="1"/>
               <a:t>Remote</a:t>
             </a:r>
             <a:r>
-              <a:rPr lang="es-CO" dirty="0" smtClean="0"/>
+              <a:rPr lang="es-CO" dirty="0"/>
               <a:t> </a:t>
             </a:r>
             <a:r>
-              <a:rPr lang="es-CO" dirty="0" err="1" smtClean="0"/>
+              <a:rPr lang="es-CO" dirty="0" err="1"/>
               <a:t>Procedure</a:t>
             </a:r>
             <a:r>
-              <a:rPr lang="es-CO" dirty="0" smtClean="0"/>
+              <a:rPr lang="es-CO" dirty="0"/>
               <a:t> </a:t>
             </a:r>
             <a:r>
-              <a:rPr lang="es-CO" dirty="0" err="1" smtClean="0"/>
+              <a:rPr lang="es-CO" dirty="0" err="1"/>
               <a:t>Call</a:t>
             </a:r>
             <a:r>
-              <a:rPr lang="es-CO" dirty="0" smtClean="0"/>
+              <a:rPr lang="es-CO" dirty="0"/>
               <a:t> (RPC)</a:t>
             </a:r>
           </a:p>
           <a:p>
             <a:r>
-              <a:rPr lang="es-CO" dirty="0" err="1" smtClean="0"/>
+              <a:rPr lang="es-CO" dirty="0" err="1"/>
               <a:t>Service</a:t>
             </a:r>
             <a:r>
-              <a:rPr lang="es-CO" dirty="0" smtClean="0"/>
+              <a:rPr lang="es-CO" dirty="0"/>
               <a:t> </a:t>
             </a:r>
             <a:r>
-              <a:rPr lang="es-CO" dirty="0" err="1" smtClean="0"/>
+              <a:rPr lang="es-CO" dirty="0" err="1"/>
               <a:t>Object</a:t>
             </a:r>
             <a:r>
-              <a:rPr lang="es-CO" dirty="0" smtClean="0"/>
+              <a:rPr lang="es-CO" dirty="0"/>
               <a:t> Access </a:t>
             </a:r>
             <a:r>
-              <a:rPr lang="es-CO" dirty="0" err="1" smtClean="0"/>
+              <a:rPr lang="es-CO" dirty="0" err="1"/>
               <a:t>Protocol</a:t>
             </a:r>
             <a:r>
-              <a:rPr lang="es-CO" dirty="0" smtClean="0"/>
+              <a:rPr lang="es-CO" dirty="0"/>
               <a:t> (SOAP)</a:t>
             </a:r>
           </a:p>
           <a:p>
             <a:r>
-              <a:rPr lang="es-CO" dirty="0" err="1" smtClean="0"/>
+              <a:rPr lang="es-CO" dirty="0" err="1"/>
               <a:t>Representational</a:t>
             </a:r>
             <a:r>
-              <a:rPr lang="es-CO" dirty="0" smtClean="0"/>
+              <a:rPr lang="es-CO" dirty="0"/>
               <a:t> </a:t>
             </a:r>
             <a:r>
-              <a:rPr lang="es-CO" dirty="0" err="1" smtClean="0"/>
+              <a:rPr lang="es-CO" dirty="0" err="1"/>
               <a:t>State</a:t>
             </a:r>
             <a:r>
-              <a:rPr lang="es-CO" dirty="0" smtClean="0"/>
+              <a:rPr lang="es-CO" dirty="0"/>
               <a:t> Transfer (REST)</a:t>
             </a:r>
           </a:p>
           <a:p>
             <a:r>
-              <a:rPr lang="es-CO" dirty="0" err="1" smtClean="0"/>
+              <a:rPr lang="es-CO" dirty="0" err="1"/>
               <a:t>GraphQL</a:t>
             </a:r>
-            <a:endParaRPr lang="es-CO" dirty="0" smtClean="0"/>
+            <a:endParaRPr lang="es-CO" dirty="0"/>
           </a:p>
           <a:p>
             <a:endParaRPr lang="es-CO" dirty="0"/>
@@ -6238,13 +6214,6 @@
   <p:clrMapOvr>
     <a:masterClrMapping/>
   </p:clrMapOvr>
-  <p:timing>
-    <p:tnLst>
-      <p:par>
-        <p:cTn id="1" dur="indefinite" restart="never" nodeType="tmRoot"/>
-      </p:par>
-    </p:tnLst>
-  </p:timing>
 </p:sld>
 </file>
 
@@ -6281,10 +6250,9 @@
           <a:lstStyle/>
           <a:p>
             <a:r>
-              <a:rPr lang="es-CO" dirty="0" smtClean="0"/>
+              <a:rPr lang="es-CO" dirty="0"/>
               <a:t>SOAP vs REST</a:t>
             </a:r>
-            <a:endParaRPr lang="es-CO" dirty="0"/>
           </a:p>
         </p:txBody>
       </p:sp>
@@ -6312,35 +6280,34 @@
               <a:buNone/>
             </a:pPr>
             <a:r>
-              <a:rPr lang="es-CO" sz="2800" b="1" dirty="0" smtClean="0"/>
+              <a:rPr lang="es-CO" sz="2800" b="1" dirty="0"/>
               <a:t>SOAP</a:t>
             </a:r>
-            <a:endParaRPr lang="es-CO" b="1" dirty="0" smtClean="0"/>
-          </a:p>
-          <a:p>
-            <a:r>
-              <a:rPr lang="es-CO" sz="2000" dirty="0" smtClean="0"/>
+            <a:endParaRPr lang="es-CO" b="1" dirty="0"/>
+          </a:p>
+          <a:p>
+            <a:r>
+              <a:rPr lang="es-CO" sz="2000" dirty="0"/>
               <a:t>Es un protocolo</a:t>
             </a:r>
           </a:p>
           <a:p>
             <a:r>
-              <a:rPr lang="es-CO" sz="2000" dirty="0" smtClean="0"/>
+              <a:rPr lang="es-CO" sz="2000" dirty="0"/>
               <a:t>Tiene reglas estrictas y normas de seguridad</a:t>
             </a:r>
           </a:p>
           <a:p>
             <a:r>
-              <a:rPr lang="es-CO" sz="2000" dirty="0" smtClean="0"/>
+              <a:rPr lang="es-CO" sz="2000" dirty="0"/>
               <a:t>Es direccionado por las Funciones</a:t>
             </a:r>
           </a:p>
           <a:p>
             <a:r>
-              <a:rPr lang="es-CO" sz="2000" dirty="0" smtClean="0"/>
+              <a:rPr lang="es-CO" sz="2000" dirty="0"/>
               <a:t>Requiere mas ancho de banda</a:t>
             </a:r>
-            <a:endParaRPr lang="es-CO" sz="2000" dirty="0"/>
           </a:p>
         </p:txBody>
       </p:sp>
@@ -6523,35 +6490,34 @@
               <a:buNone/>
             </a:pPr>
             <a:r>
-              <a:rPr lang="es-CO" sz="2800" b="1" dirty="0" smtClean="0"/>
+              <a:rPr lang="es-CO" sz="2800" b="1" dirty="0"/>
               <a:t>REST</a:t>
             </a:r>
-            <a:endParaRPr lang="es-CO" b="1" dirty="0" smtClean="0"/>
-          </a:p>
-          <a:p>
-            <a:r>
-              <a:rPr lang="es-CO" sz="2000" dirty="0" smtClean="0"/>
+            <a:endParaRPr lang="es-CO" b="1" dirty="0"/>
+          </a:p>
+          <a:p>
+            <a:r>
+              <a:rPr lang="es-CO" sz="2000" dirty="0"/>
               <a:t>Estilo arquitectónico</a:t>
             </a:r>
           </a:p>
           <a:p>
             <a:r>
-              <a:rPr lang="es-CO" sz="2000" dirty="0" smtClean="0"/>
+              <a:rPr lang="es-CO" sz="2000" dirty="0"/>
               <a:t>Hay pocas guías para seguir lo que permiten a los desarrolladores hacer recomendaciones mas fácilmente.</a:t>
             </a:r>
           </a:p>
           <a:p>
             <a:r>
-              <a:rPr lang="es-CO" sz="2000" dirty="0" smtClean="0"/>
+              <a:rPr lang="es-CO" sz="2000" dirty="0"/>
               <a:t>Es direccionado por los datos o recursos.</a:t>
             </a:r>
           </a:p>
           <a:p>
             <a:r>
-              <a:rPr lang="es-CO" sz="2000" dirty="0" smtClean="0"/>
+              <a:rPr lang="es-CO" sz="2000" dirty="0"/>
               <a:t>Requiere un mínimo de ancho de banda.</a:t>
             </a:r>
-            <a:endParaRPr lang="es-CO" sz="2000" dirty="0"/>
           </a:p>
         </p:txBody>
       </p:sp>
@@ -7094,26 +7060,26 @@
               <a:buNone/>
             </a:pPr>
             <a:r>
-              <a:rPr lang="es-CO" sz="2800" b="1" dirty="0" smtClean="0"/>
+              <a:rPr lang="es-CO" sz="2800" b="1" dirty="0"/>
               <a:t>JSON</a:t>
             </a:r>
-            <a:endParaRPr lang="es-CO" b="1" dirty="0" smtClean="0"/>
-          </a:p>
-          <a:p>
-            <a:r>
-              <a:rPr lang="es-CO" sz="2000" dirty="0" smtClean="0"/>
+            <a:endParaRPr lang="es-CO" b="1" dirty="0"/>
+          </a:p>
+          <a:p>
+            <a:r>
+              <a:rPr lang="es-CO" sz="2000" dirty="0"/>
               <a:t>Soporta solo texto y números</a:t>
             </a:r>
           </a:p>
           <a:p>
             <a:r>
-              <a:rPr lang="es-CO" sz="2000" dirty="0" smtClean="0"/>
+              <a:rPr lang="es-CO" sz="2000" dirty="0"/>
               <a:t>Centrado principalmente en la data</a:t>
             </a:r>
           </a:p>
           <a:p>
             <a:r>
-              <a:rPr lang="es-CO" sz="2000" dirty="0" smtClean="0"/>
+              <a:rPr lang="es-CO" sz="2000" dirty="0"/>
               <a:t>Tiene baja seguridad</a:t>
             </a:r>
           </a:p>
@@ -7298,26 +7264,26 @@
               <a:buNone/>
             </a:pPr>
             <a:r>
-              <a:rPr lang="es-CO" sz="2800" b="1" dirty="0" smtClean="0"/>
+              <a:rPr lang="es-CO" sz="2800" b="1" dirty="0"/>
               <a:t>XML</a:t>
             </a:r>
-            <a:endParaRPr lang="es-CO" b="1" dirty="0" smtClean="0"/>
-          </a:p>
-          <a:p>
-            <a:r>
-              <a:rPr lang="es-CO" sz="2000" dirty="0" smtClean="0"/>
+            <a:endParaRPr lang="es-CO" b="1" dirty="0"/>
+          </a:p>
+          <a:p>
+            <a:r>
+              <a:rPr lang="es-CO" sz="2000" dirty="0"/>
               <a:t>Soporta múltiples tipos de datos, por ejemplo, texto, números, imágenes, gráficos etc.</a:t>
             </a:r>
           </a:p>
           <a:p>
             <a:r>
-              <a:rPr lang="es-CO" sz="2000" dirty="0" smtClean="0"/>
+              <a:rPr lang="es-CO" sz="2000" dirty="0"/>
               <a:t>Centrado principalmente en el documento.</a:t>
             </a:r>
           </a:p>
           <a:p>
             <a:r>
-              <a:rPr lang="es-CO" sz="2000" dirty="0" smtClean="0"/>
+              <a:rPr lang="es-CO" sz="2000" dirty="0"/>
               <a:t>Tiene mas seguridad y normas a seguir.</a:t>
             </a:r>
           </a:p>
@@ -7370,18 +7336,13 @@
           <a:lstStyle/>
           <a:p>
             <a:r>
-              <a:rPr lang="es-CO" sz="4400" b="1" dirty="0" smtClean="0">
+              <a:rPr lang="es-CO" sz="4400" b="1" dirty="0">
                 <a:solidFill>
                   <a:schemeClr val="accent3"/>
                 </a:solidFill>
               </a:rPr>
               <a:t>JSON</a:t>
             </a:r>
-            <a:endParaRPr lang="es-CO" sz="4400" b="1" dirty="0">
-              <a:solidFill>
-                <a:schemeClr val="accent3"/>
-              </a:solidFill>
-            </a:endParaRPr>
           </a:p>
         </p:txBody>
       </p:sp>
@@ -7408,18 +7369,13 @@
           <a:lstStyle/>
           <a:p>
             <a:r>
-              <a:rPr lang="es-CO" sz="4400" b="1" dirty="0" smtClean="0">
+              <a:rPr lang="es-CO" sz="4400" b="1" dirty="0">
                 <a:solidFill>
                   <a:schemeClr val="tx2"/>
                 </a:solidFill>
               </a:rPr>
               <a:t>XML</a:t>
             </a:r>
-            <a:endParaRPr lang="es-CO" sz="4400" b="1" dirty="0">
-              <a:solidFill>
-                <a:schemeClr val="tx2"/>
-              </a:solidFill>
-            </a:endParaRPr>
           </a:p>
         </p:txBody>
       </p:sp>
@@ -7793,15 +7749,15 @@
           <a:lstStyle/>
           <a:p>
             <a:r>
-              <a:rPr lang="es-CO" dirty="0" err="1" smtClean="0"/>
+              <a:rPr lang="es-CO" dirty="0" err="1"/>
               <a:t>APIs</a:t>
             </a:r>
             <a:r>
-              <a:rPr lang="es-CO" dirty="0" smtClean="0"/>
+              <a:rPr lang="es-CO" dirty="0"/>
               <a:t> y Web </a:t>
             </a:r>
             <a:r>
-              <a:rPr lang="es-CO" dirty="0" err="1" smtClean="0"/>
+              <a:rPr lang="es-CO" dirty="0" err="1"/>
               <a:t>Services</a:t>
             </a:r>
             <a:endParaRPr lang="es-CO" dirty="0"/>
@@ -7826,52 +7782,51 @@
           <a:lstStyle/>
           <a:p>
             <a:r>
-              <a:rPr lang="es-CO" sz="2000" dirty="0" smtClean="0"/>
+              <a:rPr lang="es-CO" sz="2000" dirty="0"/>
               <a:t>Un Web </a:t>
             </a:r>
             <a:r>
-              <a:rPr lang="es-CO" sz="2000" dirty="0" err="1" smtClean="0"/>
+              <a:rPr lang="es-CO" sz="2000" dirty="0" err="1"/>
               <a:t>Service</a:t>
             </a:r>
             <a:r>
-              <a:rPr lang="es-CO" sz="2000" dirty="0" smtClean="0"/>
+              <a:rPr lang="es-CO" sz="2000" dirty="0"/>
               <a:t> es la forma en como dos maquinas se comunican entre si sobre una red</a:t>
             </a:r>
           </a:p>
           <a:p>
             <a:r>
-              <a:rPr lang="es-CO" sz="2000" dirty="0" smtClean="0"/>
+              <a:rPr lang="es-CO" sz="2000" dirty="0"/>
               <a:t>La API, permite que dos aplicaciones se comuniquen.</a:t>
             </a:r>
           </a:p>
           <a:p>
             <a:r>
-              <a:rPr lang="es-CO" sz="2000" dirty="0" smtClean="0"/>
+              <a:rPr lang="es-CO" sz="2000" dirty="0"/>
               <a:t>Las </a:t>
             </a:r>
             <a:r>
-              <a:rPr lang="es-CO" sz="2000" dirty="0" err="1" smtClean="0"/>
+              <a:rPr lang="es-CO" sz="2000" dirty="0" err="1"/>
               <a:t>APIs</a:t>
             </a:r>
             <a:r>
-              <a:rPr lang="es-CO" sz="2000" dirty="0" smtClean="0"/>
+              <a:rPr lang="es-CO" sz="2000" dirty="0"/>
               <a:t> pueden ser accesibles sobre una red privada o sobre internet</a:t>
             </a:r>
           </a:p>
           <a:p>
             <a:r>
-              <a:rPr lang="es-CO" sz="2000" dirty="0" smtClean="0"/>
+              <a:rPr lang="es-CO" sz="2000" dirty="0"/>
               <a:t>Los Web </a:t>
             </a:r>
             <a:r>
-              <a:rPr lang="es-CO" sz="2000" dirty="0" err="1" smtClean="0"/>
+              <a:rPr lang="es-CO" sz="2000" dirty="0" err="1"/>
               <a:t>Services</a:t>
             </a:r>
             <a:r>
-              <a:rPr lang="es-CO" sz="2000" dirty="0" smtClean="0"/>
+              <a:rPr lang="es-CO" sz="2000" dirty="0"/>
               <a:t> solo pueden accederse sobre Internet</a:t>
             </a:r>
-            <a:endParaRPr lang="es-CO" sz="2000" dirty="0"/>
           </a:p>
         </p:txBody>
       </p:sp>
@@ -7936,13 +7891,6 @@
   <p:clrMapOvr>
     <a:masterClrMapping/>
   </p:clrMapOvr>
-  <p:timing>
-    <p:tnLst>
-      <p:par>
-        <p:cTn id="1" dur="indefinite" restart="never" nodeType="tmRoot"/>
-      </p:par>
-    </p:tnLst>
-  </p:timing>
 </p:sld>
 </file>
 
@@ -7979,11 +7927,11 @@
           <a:lstStyle/>
           <a:p>
             <a:r>
-              <a:rPr lang="es-CO" dirty="0" smtClean="0"/>
+              <a:rPr lang="es-CO" dirty="0"/>
               <a:t>API </a:t>
             </a:r>
             <a:r>
-              <a:rPr lang="es-CO" dirty="0" err="1" smtClean="0"/>
+              <a:rPr lang="es-CO" dirty="0" err="1"/>
               <a:t>Principles</a:t>
             </a:r>
             <a:endParaRPr lang="es-CO" dirty="0"/>
@@ -8006,36 +7954,35 @@
           <a:lstStyle/>
           <a:p>
             <a:r>
-              <a:rPr lang="es-CO" dirty="0" smtClean="0"/>
+              <a:rPr lang="es-CO" dirty="0"/>
               <a:t>Haga sus </a:t>
             </a:r>
             <a:r>
-              <a:rPr lang="es-CO" dirty="0" err="1" smtClean="0"/>
+              <a:rPr lang="es-CO" dirty="0" err="1"/>
               <a:t>APIs</a:t>
             </a:r>
             <a:r>
-              <a:rPr lang="es-CO" dirty="0" smtClean="0"/>
+              <a:rPr lang="es-CO" dirty="0"/>
               <a:t> Seguras</a:t>
             </a:r>
           </a:p>
           <a:p>
             <a:r>
-              <a:rPr lang="es-CO" dirty="0" smtClean="0"/>
+              <a:rPr lang="es-CO" dirty="0"/>
               <a:t>Define sus Peticiones Claramente</a:t>
             </a:r>
           </a:p>
           <a:p>
             <a:r>
-              <a:rPr lang="es-CO" dirty="0" smtClean="0"/>
+              <a:rPr lang="es-CO" dirty="0"/>
               <a:t>Estructure las respuestas en la forma correcta</a:t>
             </a:r>
           </a:p>
           <a:p>
             <a:r>
-              <a:rPr lang="es-CO" dirty="0" smtClean="0"/>
+              <a:rPr lang="es-CO" dirty="0"/>
               <a:t>Tenga una adecuada documentación </a:t>
             </a:r>
-            <a:endParaRPr lang="es-CO" dirty="0"/>
           </a:p>
         </p:txBody>
       </p:sp>
@@ -8100,13 +8047,6 @@
   <p:clrMapOvr>
     <a:masterClrMapping/>
   </p:clrMapOvr>
-  <p:timing>
-    <p:tnLst>
-      <p:par>
-        <p:cTn id="1" dur="indefinite" restart="never" nodeType="tmRoot"/>
-      </p:par>
-    </p:tnLst>
-  </p:timing>
 </p:sld>
 </file>
 
@@ -8143,10 +8083,9 @@
           <a:lstStyle/>
           <a:p>
             <a:r>
-              <a:rPr lang="es-CO" dirty="0" smtClean="0"/>
+              <a:rPr lang="es-CO" dirty="0"/>
               <a:t>Retroalimentación</a:t>
             </a:r>
-            <a:endParaRPr lang="es-CO" dirty="0"/>
           </a:p>
         </p:txBody>
       </p:sp>
@@ -8176,56 +8115,14 @@
               <a:buNone/>
             </a:pPr>
             <a:r>
-              <a:rPr lang="es-CO" sz="1800" b="1" dirty="0" smtClean="0"/>
+              <a:rPr lang="es-CO" sz="1800" b="1" dirty="0"/>
               <a:t>Verdadero o Falso?</a:t>
             </a:r>
           </a:p>
           <a:p>
             <a:r>
-              <a:rPr lang="es-CO" sz="1800" dirty="0" smtClean="0"/>
-              <a:t>Una API</a:t>
-            </a:r>
-            <a:r>
               <a:rPr lang="es-CO" sz="1800" dirty="0"/>
-              <a:t>, es el </a:t>
-            </a:r>
-            <a:r>
-              <a:rPr lang="es-CO" sz="1800" dirty="0" smtClean="0"/>
-              <a:t>conjunto </a:t>
-            </a:r>
-            <a:r>
-              <a:rPr lang="es-CO" sz="1800" dirty="0"/>
-              <a:t>de funciones, métodos o procedimientos que ofrece una biblioteca para ser utilizado por otro software para obtener, enviar o compartir </a:t>
-            </a:r>
-            <a:r>
-              <a:rPr lang="es-CO" sz="1800" dirty="0" smtClean="0"/>
-              <a:t>información.</a:t>
-            </a:r>
-          </a:p>
-          <a:p>
-            <a:pPr lvl="1"/>
-            <a:r>
-              <a:rPr lang="es-CO" sz="1400" b="1" dirty="0" smtClean="0"/>
-              <a:t>R/ </a:t>
-            </a:r>
-            <a:r>
-              <a:rPr lang="es-CO" sz="1400" b="1" dirty="0" smtClean="0">
-                <a:solidFill>
-                  <a:srgbClr val="00B050"/>
-                </a:solidFill>
-              </a:rPr>
-              <a:t>Verdadero</a:t>
-            </a:r>
-            <a:r>
-              <a:rPr lang="es-CO" sz="1400" dirty="0" smtClean="0"/>
-              <a:t>: Ayudan a conectar dos componentes de software para compartir información.</a:t>
-            </a:r>
-            <a:endParaRPr lang="es-CO" sz="1400" b="1" dirty="0" smtClean="0"/>
-          </a:p>
-          <a:p>
-            <a:r>
-              <a:rPr lang="es-CO" sz="1800" dirty="0" smtClean="0"/>
-              <a:t>Las API reducen los costos de programación al reducir el tiempo de desarrollo de los programadores.</a:t>
+              <a:t>Una API, es el conjunto de funciones, métodos o procedimientos que ofrece una biblioteca para ser utilizado por otro software para obtener, enviar o compartir información.</a:t>
             </a:r>
           </a:p>
           <a:p>
@@ -8244,27 +8141,78 @@
             </a:r>
             <a:r>
               <a:rPr lang="es-CO" sz="1400" dirty="0"/>
+              <a:t>: Ayudan a conectar dos componentes de software para compartir información.</a:t>
+            </a:r>
+            <a:endParaRPr lang="es-CO" sz="1400" b="1" dirty="0"/>
+          </a:p>
+          <a:p>
+            <a:r>
+              <a:rPr lang="es-CO" sz="1800" dirty="0"/>
+              <a:t>Las API reducen los costos de programación al reducir el tiempo de desarrollo de los programadores.</a:t>
+            </a:r>
+          </a:p>
+          <a:p>
+            <a:pPr lvl="1"/>
+            <a:r>
+              <a:rPr lang="es-CO" sz="1400" b="1" dirty="0"/>
+              <a:t>R/ </a:t>
+            </a:r>
+            <a:r>
+              <a:rPr lang="es-CO" sz="1400" b="1" dirty="0">
+                <a:solidFill>
+                  <a:srgbClr val="00B050"/>
+                </a:solidFill>
+              </a:rPr>
+              <a:t>Verdadero</a:t>
+            </a:r>
+            <a:r>
+              <a:rPr lang="es-CO" sz="1400" dirty="0"/>
+              <a:t>: Al poder reutilizar las funciones de una API, los desarrolladores no deben recrearlas constantemente.</a:t>
+            </a:r>
+          </a:p>
+          <a:p>
+            <a:r>
+              <a:rPr lang="es-CO" sz="1800" dirty="0"/>
+              <a:t>Una API no requiere documentación por que es auto descriptiva.</a:t>
+            </a:r>
+          </a:p>
+          <a:p>
+            <a:pPr lvl="1"/>
+            <a:r>
+              <a:rPr lang="es-CO" sz="1400" b="1" dirty="0"/>
+              <a:t>R/ </a:t>
+            </a:r>
+            <a:r>
+              <a:rPr lang="es-CO" sz="1400" b="1" dirty="0">
+                <a:solidFill>
+                  <a:srgbClr val="FF0000"/>
+                </a:solidFill>
+              </a:rPr>
+              <a:t>Falso</a:t>
+            </a:r>
+            <a:r>
+              <a:rPr lang="es-CO" sz="1400" b="1" dirty="0"/>
               <a:t>: </a:t>
             </a:r>
             <a:r>
-              <a:rPr lang="es-CO" sz="1400" dirty="0" smtClean="0"/>
-              <a:t>Al poder reutilizar las funciones de una API, los desarrolladores no deben recrearlas constantemente.</a:t>
-            </a:r>
-          </a:p>
-          <a:p>
-            <a:r>
-              <a:rPr lang="es-CO" sz="1800" dirty="0" smtClean="0"/>
-              <a:t>Una API no requiere documentación por que es auto descriptiva.</a:t>
+              <a:rPr lang="es-CO" sz="1400" dirty="0"/>
+              <a:t>Una API debe tener una documentación clara para facilitar su uso e implementación.</a:t>
+            </a:r>
+          </a:p>
+          <a:p>
+            <a:r>
+              <a:rPr lang="es-CO" sz="1800" dirty="0"/>
+              <a:t>Las API por tipo de políticas de uso son: de Datos, de Sistemas operativos, remotas y Web.</a:t>
             </a:r>
           </a:p>
           <a:p>
             <a:pPr lvl="1"/>
             <a:r>
-              <a:rPr lang="es-CO" sz="1400" b="1" dirty="0" smtClean="0"/>
+              <a:rPr lang="es-CO" sz="1400" b="1" dirty="0"/>
               <a:t>R/ </a:t>
             </a:r>
             <a:r>
-              <a:rPr lang="es-CO" sz="1400" b="1" dirty="0" smtClean="0">
+              <a:rPr lang="es-CO" sz="1400" b="1" dirty="0">
                 <a:solidFill>
                   <a:srgbClr val="FF0000"/>
                 </a:solidFill>
@@ -8272,28 +8220,51 @@
               <a:t>Falso</a:t>
             </a:r>
             <a:r>
-              <a:rPr lang="es-CO" sz="1400" b="1" dirty="0" smtClean="0"/>
-              <a:t>: </a:t>
-            </a:r>
-            <a:r>
-              <a:rPr lang="es-CO" sz="1400" dirty="0" smtClean="0"/>
-              <a:t>Una API debe tener una documentación clara para facilitar su uso e implementación.</a:t>
-            </a:r>
-          </a:p>
-          <a:p>
-            <a:r>
-              <a:rPr lang="es-CO" sz="1800" dirty="0" smtClean="0"/>
-              <a:t>Las API por tipo de políticas de uso son: de Datos, de Sistemas operativos, remotas y Web.</a:t>
+              <a:rPr lang="es-CO" sz="1400" dirty="0"/>
+              <a:t>: Las de políticas de uso son Publicas, Privadas, Comerciales y Compuestas</a:t>
+            </a:r>
+            <a:endParaRPr lang="es-CO" sz="1400" b="1" dirty="0"/>
+          </a:p>
+          <a:p>
+            <a:r>
+              <a:rPr lang="es-CO" sz="1800" dirty="0"/>
+              <a:t>Una de las ventajas de las API es que pueden ser mas flexibles</a:t>
             </a:r>
           </a:p>
           <a:p>
             <a:pPr lvl="1"/>
             <a:r>
-              <a:rPr lang="es-CO" sz="1400" b="1" dirty="0" smtClean="0"/>
+              <a:rPr lang="es-CO" sz="1400" b="1" dirty="0"/>
               <a:t>R/ </a:t>
             </a:r>
             <a:r>
-              <a:rPr lang="es-CO" sz="1400" b="1" dirty="0" smtClean="0">
+              <a:rPr lang="es-CO" sz="1400" b="1" dirty="0">
+                <a:solidFill>
+                  <a:srgbClr val="00B050"/>
+                </a:solidFill>
+              </a:rPr>
+              <a:t>Verdadero</a:t>
+            </a:r>
+            <a:r>
+              <a:rPr lang="es-CO" sz="1400" dirty="0"/>
+              <a:t>: Las API Permiten cambios que generan un menor impacto en los sistemas.</a:t>
+            </a:r>
+            <a:endParaRPr lang="es-CO" sz="1400" b="1" dirty="0"/>
+          </a:p>
+          <a:p>
+            <a:r>
+              <a:rPr lang="es-CO" sz="1800" dirty="0"/>
+              <a:t>Las API nacen en el año 2005</a:t>
+            </a:r>
+          </a:p>
+          <a:p>
+            <a:pPr lvl="1"/>
+            <a:r>
+              <a:rPr lang="es-CO" sz="1400" b="1" dirty="0"/>
+              <a:t>R/ </a:t>
+            </a:r>
+            <a:r>
+              <a:rPr lang="es-CO" sz="1400" b="1" dirty="0">
                 <a:solidFill>
                   <a:srgbClr val="FF0000"/>
                 </a:solidFill>
@@ -8301,62 +8272,10 @@
               <a:t>Falso</a:t>
             </a:r>
             <a:r>
-              <a:rPr lang="es-CO" sz="1400" dirty="0" smtClean="0"/>
-              <a:t>: Las de políticas de uso son Publicas, Privadas, Comerciales y Compuestas</a:t>
-            </a:r>
-            <a:endParaRPr lang="es-CO" sz="1400" b="1" dirty="0" smtClean="0"/>
-          </a:p>
-          <a:p>
-            <a:r>
-              <a:rPr lang="es-CO" sz="1800" dirty="0" smtClean="0"/>
-              <a:t>Una de las ventajas de las API es que pueden ser mas flexibles</a:t>
-            </a:r>
-          </a:p>
-          <a:p>
-            <a:pPr lvl="1"/>
-            <a:r>
-              <a:rPr lang="es-CO" sz="1400" b="1" dirty="0" smtClean="0"/>
-              <a:t>R/ </a:t>
-            </a:r>
-            <a:r>
-              <a:rPr lang="es-CO" sz="1400" b="1" dirty="0" smtClean="0">
-                <a:solidFill>
-                  <a:srgbClr val="00B050"/>
-                </a:solidFill>
-              </a:rPr>
-              <a:t>Verdadero</a:t>
-            </a:r>
-            <a:r>
-              <a:rPr lang="es-CO" sz="1400" dirty="0" smtClean="0"/>
-              <a:t>: Las API Permiten cambios que generan un menor impacto en los sistemas.</a:t>
-            </a:r>
-            <a:endParaRPr lang="es-CO" sz="1400" b="1" dirty="0" smtClean="0"/>
-          </a:p>
-          <a:p>
-            <a:r>
-              <a:rPr lang="es-CO" sz="1800" dirty="0" smtClean="0"/>
-              <a:t>Las API nacen en el año 2005</a:t>
-            </a:r>
-          </a:p>
-          <a:p>
-            <a:pPr lvl="1"/>
-            <a:r>
-              <a:rPr lang="es-CO" sz="1400" b="1" dirty="0" smtClean="0"/>
-              <a:t>R/ </a:t>
-            </a:r>
-            <a:r>
-              <a:rPr lang="es-CO" sz="1400" b="1" dirty="0" smtClean="0">
-                <a:solidFill>
-                  <a:srgbClr val="FF0000"/>
-                </a:solidFill>
-              </a:rPr>
-              <a:t>Falso</a:t>
-            </a:r>
-            <a:r>
-              <a:rPr lang="es-CO" sz="1400" dirty="0" smtClean="0"/>
+              <a:rPr lang="es-CO" sz="1400" dirty="0"/>
               <a:t>: la aparición de las API hace referencia a la década de los años 60’s, en el 2005 se hace referencia las Web API</a:t>
             </a:r>
-            <a:endParaRPr lang="es-CO" sz="1400" b="1" dirty="0" smtClean="0"/>
+            <a:endParaRPr lang="es-CO" sz="1400" b="1" dirty="0"/>
           </a:p>
         </p:txBody>
       </p:sp>
@@ -9024,10 +8943,9 @@
           <a:lstStyle/>
           <a:p>
             <a:r>
-              <a:rPr lang="es-CO" dirty="0" smtClean="0"/>
+              <a:rPr lang="es-CO" dirty="0"/>
               <a:t>Retroalimentación</a:t>
             </a:r>
-            <a:endParaRPr lang="es-CO" dirty="0"/>
           </a:p>
         </p:txBody>
       </p:sp>
@@ -9057,24 +8975,24 @@
               <a:buNone/>
             </a:pPr>
             <a:r>
-              <a:rPr lang="es-CO" sz="1800" b="1" dirty="0" smtClean="0"/>
+              <a:rPr lang="es-CO" sz="1800" b="1" dirty="0"/>
               <a:t>Verdadero o Falso?</a:t>
             </a:r>
           </a:p>
           <a:p>
             <a:r>
-              <a:rPr lang="es-CO" sz="1800" dirty="0" smtClean="0"/>
+              <a:rPr lang="es-CO" sz="1800" dirty="0"/>
               <a:t>El protocolo es la forma en como se conversa con la API</a:t>
             </a:r>
           </a:p>
           <a:p>
             <a:pPr lvl="1"/>
             <a:r>
-              <a:rPr lang="es-CO" sz="1400" b="1" dirty="0" smtClean="0"/>
+              <a:rPr lang="es-CO" sz="1400" b="1" dirty="0"/>
               <a:t>R/ </a:t>
             </a:r>
             <a:r>
-              <a:rPr lang="es-CO" sz="1400" b="1" dirty="0" smtClean="0">
+              <a:rPr lang="es-CO" sz="1400" b="1" dirty="0">
                 <a:solidFill>
                   <a:srgbClr val="00B050"/>
                 </a:solidFill>
@@ -9082,24 +9000,24 @@
               <a:t>Verdadero</a:t>
             </a:r>
             <a:r>
-              <a:rPr lang="es-CO" sz="1400" dirty="0" smtClean="0"/>
+              <a:rPr lang="es-CO" sz="1400" dirty="0"/>
               <a:t>: El protocolo define como conversar con la API</a:t>
             </a:r>
           </a:p>
           <a:p>
             <a:r>
-              <a:rPr lang="es-CO" sz="1800" dirty="0" smtClean="0"/>
+              <a:rPr lang="es-CO" sz="1800" dirty="0"/>
               <a:t>RPC solo permite intercambiar datos usando XML.</a:t>
             </a:r>
           </a:p>
           <a:p>
             <a:pPr lvl="1"/>
             <a:r>
-              <a:rPr lang="es-CO" sz="1400" b="1" dirty="0" smtClean="0"/>
+              <a:rPr lang="es-CO" sz="1400" b="1" dirty="0"/>
               <a:t>R/ </a:t>
             </a:r>
             <a:r>
-              <a:rPr lang="es-CO" sz="1400" b="1" dirty="0" smtClean="0">
+              <a:rPr lang="es-CO" sz="1400" b="1" dirty="0">
                 <a:solidFill>
                   <a:srgbClr val="FF0000"/>
                 </a:solidFill>
@@ -9107,28 +9025,28 @@
               <a:t>Falso</a:t>
             </a:r>
             <a:r>
-              <a:rPr lang="es-CO" sz="1400" b="1" dirty="0" smtClean="0"/>
+              <a:rPr lang="es-CO" sz="1400" b="1" dirty="0"/>
               <a:t>: </a:t>
             </a:r>
             <a:r>
-              <a:rPr lang="es-CO" sz="1400" dirty="0" smtClean="0"/>
+              <a:rPr lang="es-CO" sz="1400" dirty="0"/>
               <a:t>RPC no usa una estructura, mas bien permite el uso de cualquier tipo de dato en el llamado.</a:t>
             </a:r>
           </a:p>
           <a:p>
             <a:r>
-              <a:rPr lang="es-CO" sz="1800" dirty="0" smtClean="0"/>
+              <a:rPr lang="es-CO" sz="1800" dirty="0"/>
               <a:t>SOAP solo permite intercambiar texto.</a:t>
             </a:r>
           </a:p>
           <a:p>
             <a:pPr lvl="1"/>
             <a:r>
-              <a:rPr lang="es-CO" sz="1400" b="1" dirty="0" smtClean="0"/>
+              <a:rPr lang="es-CO" sz="1400" b="1" dirty="0"/>
               <a:t>R/ </a:t>
             </a:r>
             <a:r>
-              <a:rPr lang="es-CO" sz="1400" b="1" dirty="0" smtClean="0">
+              <a:rPr lang="es-CO" sz="1400" b="1" dirty="0">
                 <a:solidFill>
                   <a:srgbClr val="FF0000"/>
                 </a:solidFill>
@@ -9136,61 +9054,61 @@
               <a:t>Falso</a:t>
             </a:r>
             <a:r>
-              <a:rPr lang="es-CO" sz="1400" dirty="0" smtClean="0"/>
+              <a:rPr lang="es-CO" sz="1400" dirty="0"/>
               <a:t>: XML permite intercambiar texto, imágenes graficas, </a:t>
             </a:r>
             <a:r>
-              <a:rPr lang="es-CO" sz="1400" dirty="0" err="1" smtClean="0"/>
+              <a:rPr lang="es-CO" sz="1400" dirty="0" err="1"/>
               <a:t>etc</a:t>
             </a:r>
             <a:r>
-              <a:rPr lang="es-CO" sz="1400" dirty="0" smtClean="0"/>
+              <a:rPr lang="es-CO" sz="1400" dirty="0"/>
               <a:t>, En general cualquier tipo de dato.</a:t>
             </a:r>
           </a:p>
           <a:p>
             <a:r>
-              <a:rPr lang="es-CO" sz="1800" dirty="0" smtClean="0"/>
+              <a:rPr lang="es-CO" sz="1800" dirty="0"/>
               <a:t>Todos los Web </a:t>
             </a:r>
             <a:r>
-              <a:rPr lang="es-CO" sz="1800" dirty="0" err="1" smtClean="0"/>
+              <a:rPr lang="es-CO" sz="1800" dirty="0" err="1"/>
               <a:t>Services</a:t>
             </a:r>
             <a:r>
-              <a:rPr lang="es-CO" sz="1800" dirty="0" smtClean="0"/>
+              <a:rPr lang="es-CO" sz="1800" dirty="0"/>
               <a:t> son </a:t>
             </a:r>
             <a:r>
-              <a:rPr lang="es-CO" sz="1800" dirty="0" err="1" smtClean="0"/>
+              <a:rPr lang="es-CO" sz="1800" dirty="0" err="1"/>
               <a:t>APIs</a:t>
             </a:r>
             <a:r>
-              <a:rPr lang="es-CO" sz="1800" dirty="0" smtClean="0"/>
+              <a:rPr lang="es-CO" sz="1800" dirty="0"/>
               <a:t>, pero no todas las </a:t>
             </a:r>
             <a:r>
-              <a:rPr lang="es-CO" sz="1800" dirty="0" err="1" smtClean="0"/>
+              <a:rPr lang="es-CO" sz="1800" dirty="0" err="1"/>
               <a:t>APIs</a:t>
             </a:r>
             <a:r>
-              <a:rPr lang="es-CO" sz="1800" dirty="0" smtClean="0"/>
+              <a:rPr lang="es-CO" sz="1800" dirty="0"/>
               <a:t> son Web </a:t>
             </a:r>
             <a:r>
-              <a:rPr lang="es-CO" sz="1800" dirty="0" err="1" smtClean="0"/>
+              <a:rPr lang="es-CO" sz="1800" dirty="0" err="1"/>
               <a:t>Services</a:t>
             </a:r>
-            <a:endParaRPr lang="es-CO" sz="1800" dirty="0" smtClean="0"/>
+            <a:endParaRPr lang="es-CO" sz="1800" dirty="0"/>
           </a:p>
           <a:p>
             <a:pPr lvl="1"/>
             <a:r>
-              <a:rPr lang="es-CO" sz="1400" b="1" dirty="0" smtClean="0"/>
+              <a:rPr lang="es-CO" sz="1400" b="1" dirty="0"/>
               <a:t>R/ </a:t>
             </a:r>
             <a:r>
-              <a:rPr lang="es-CO" sz="1400" b="1" dirty="0" smtClean="0">
+              <a:rPr lang="es-CO" sz="1400" b="1" dirty="0">
                 <a:solidFill>
                   <a:srgbClr val="00B050"/>
                 </a:solidFill>
@@ -9198,15 +9116,15 @@
               <a:t>Verdadero</a:t>
             </a:r>
             <a:r>
-              <a:rPr lang="es-CO" sz="1400" dirty="0" smtClean="0"/>
+              <a:rPr lang="es-CO" sz="1400" dirty="0"/>
               <a:t>: porque los web </a:t>
             </a:r>
             <a:r>
-              <a:rPr lang="es-CO" sz="1400" dirty="0" err="1" smtClean="0"/>
+              <a:rPr lang="es-CO" sz="1400" dirty="0" err="1"/>
               <a:t>services</a:t>
             </a:r>
             <a:r>
-              <a:rPr lang="es-CO" sz="1400" dirty="0" smtClean="0"/>
+              <a:rPr lang="es-CO" sz="1400" dirty="0"/>
               <a:t> deben accederse sobre internet y las API no necesariamente..</a:t>
             </a:r>
           </a:p>
@@ -9240,49 +9158,13 @@
             </a:r>
             <a:r>
               <a:rPr lang="es-CO" sz="1400" dirty="0"/>
-              <a:t> usan nombres de recursos, los métodos o funciones son usados por los Web </a:t>
-            </a:r>
-            <a:r>
-              <a:rPr lang="es-CO" sz="1400" dirty="0" smtClean="0"/>
-              <a:t>servicies</a:t>
-            </a:r>
-            <a:endParaRPr lang="es-CO" sz="1400" b="1" dirty="0" smtClean="0"/>
-          </a:p>
-          <a:p>
-            <a:r>
-              <a:rPr lang="es-CO" sz="1800" dirty="0" smtClean="0"/>
-              <a:t>Las API usan los nombre de las funciones en la URL</a:t>
-            </a:r>
-          </a:p>
-          <a:p>
-            <a:pPr lvl="1"/>
-            <a:r>
-              <a:rPr lang="es-CO" sz="1400" b="1" dirty="0" smtClean="0"/>
-              <a:t>R/ </a:t>
-            </a:r>
-            <a:r>
-              <a:rPr lang="es-CO" sz="1400" b="1" dirty="0" smtClean="0">
-                <a:solidFill>
-                  <a:srgbClr val="FF0000"/>
-                </a:solidFill>
-              </a:rPr>
-              <a:t>Falso</a:t>
-            </a:r>
-            <a:r>
-              <a:rPr lang="es-CO" sz="1400" dirty="0" smtClean="0"/>
-              <a:t>: la </a:t>
-            </a:r>
-            <a:r>
-              <a:rPr lang="es-CO" sz="1400" dirty="0" err="1" smtClean="0"/>
-              <a:t>APIs</a:t>
-            </a:r>
-            <a:r>
-              <a:rPr lang="es-CO" sz="1400" dirty="0" smtClean="0"/>
-              <a:t> usan nombres de recursos, los métodos o funciones son usados por los Web servicies</a:t>
-            </a:r>
-          </a:p>
-          <a:p>
-            <a:endParaRPr lang="es-CO" sz="1800" b="1" dirty="0" smtClean="0"/>
+              <a:t> usan nombres de recursos, los métodos o funciones son usados por los </a:t>
+            </a:r>
+            <a:r>
+              <a:rPr lang="es-CO" sz="1400"/>
+              <a:t>Web servicies</a:t>
+            </a:r>
+            <a:endParaRPr lang="es-CO" sz="1400" b="1" dirty="0"/>
           </a:p>
         </p:txBody>
       </p:sp>
@@ -9794,104 +9676,6 @@
                       </p:childTnLst>
                     </p:cTn>
                   </p:par>
-                  <p:par>
-                    <p:cTn id="43" fill="hold">
-                      <p:stCondLst>
-                        <p:cond delay="indefinite"/>
-                      </p:stCondLst>
-                      <p:childTnLst>
-                        <p:par>
-                          <p:cTn id="44" fill="hold">
-                            <p:stCondLst>
-                              <p:cond delay="0"/>
-                            </p:stCondLst>
-                            <p:childTnLst>
-                              <p:par>
-                                <p:cTn id="45" presetID="1" presetClass="entr" presetSubtype="0" fill="hold" nodeType="clickEffect">
-                                  <p:stCondLst>
-                                    <p:cond delay="0"/>
-                                  </p:stCondLst>
-                                  <p:childTnLst>
-                                    <p:set>
-                                      <p:cBhvr>
-                                        <p:cTn id="46" dur="1" fill="hold">
-                                          <p:stCondLst>
-                                            <p:cond delay="0"/>
-                                          </p:stCondLst>
-                                        </p:cTn>
-                                        <p:tgtEl>
-                                          <p:spTgt spid="5">
-                                            <p:txEl>
-                                              <p:pRg st="11" end="11"/>
-                                            </p:txEl>
-                                          </p:spTgt>
-                                        </p:tgtEl>
-                                        <p:attrNameLst>
-                                          <p:attrName>style.visibility</p:attrName>
-                                        </p:attrNameLst>
-                                      </p:cBhvr>
-                                      <p:to>
-                                        <p:strVal val="visible"/>
-                                      </p:to>
-                                    </p:set>
-                                  </p:childTnLst>
-                                </p:cTn>
-                              </p:par>
-                            </p:childTnLst>
-                          </p:cTn>
-                        </p:par>
-                      </p:childTnLst>
-                    </p:cTn>
-                  </p:par>
-                  <p:par>
-                    <p:cTn id="47" fill="hold">
-                      <p:stCondLst>
-                        <p:cond delay="indefinite"/>
-                      </p:stCondLst>
-                      <p:childTnLst>
-                        <p:par>
-                          <p:cTn id="48" fill="hold">
-                            <p:stCondLst>
-                              <p:cond delay="0"/>
-                            </p:stCondLst>
-                            <p:childTnLst>
-                              <p:par>
-                                <p:cTn id="49" presetID="1" presetClass="entr" presetSubtype="0" fill="hold" nodeType="clickEffect">
-                                  <p:stCondLst>
-                                    <p:cond delay="0"/>
-                                  </p:stCondLst>
-                                  <p:childTnLst>
-                                    <p:set>
-                                      <p:cBhvr>
-                                        <p:cTn id="50" dur="1" fill="hold">
-                                          <p:stCondLst>
-                                            <p:cond delay="0"/>
-                                          </p:stCondLst>
-                                        </p:cTn>
-                                        <p:tgtEl>
-                                          <p:spTgt spid="5">
-                                            <p:txEl>
-                                              <p:pRg st="12" end="12"/>
-                                            </p:txEl>
-                                          </p:spTgt>
-                                        </p:tgtEl>
-                                        <p:attrNameLst>
-                                          <p:attrName>style.visibility</p:attrName>
-                                        </p:attrNameLst>
-                                      </p:cBhvr>
-                                      <p:to>
-                                        <p:strVal val="visible"/>
-                                      </p:to>
-                                    </p:set>
-                                  </p:childTnLst>
-                                </p:cTn>
-                              </p:par>
-                            </p:childTnLst>
-                          </p:cTn>
-                        </p:par>
-                      </p:childTnLst>
-                    </p:cTn>
-                  </p:par>
                 </p:childTnLst>
               </p:cTn>
               <p:prevCondLst>
@@ -9950,10 +9734,9 @@
           <a:lstStyle/>
           <a:p>
             <a:r>
-              <a:rPr lang="es-CO" dirty="0" smtClean="0"/>
+              <a:rPr lang="es-CO" dirty="0"/>
               <a:t>Demo</a:t>
             </a:r>
-            <a:endParaRPr lang="es-CO" dirty="0"/>
           </a:p>
         </p:txBody>
       </p:sp>
@@ -9973,44 +9756,44 @@
           <a:lstStyle/>
           <a:p>
             <a:r>
-              <a:rPr lang="es-CO" dirty="0" smtClean="0"/>
+              <a:rPr lang="es-CO" dirty="0"/>
               <a:t>Crear una API de Prueba</a:t>
             </a:r>
           </a:p>
           <a:p>
             <a:pPr lvl="1"/>
             <a:r>
-              <a:rPr lang="es-CO" dirty="0" err="1" smtClean="0"/>
+              <a:rPr lang="es-CO" dirty="0" err="1"/>
               <a:t>Json</a:t>
             </a:r>
             <a:r>
-              <a:rPr lang="es-CO" dirty="0" smtClean="0"/>
+              <a:rPr lang="es-CO" dirty="0"/>
               <a:t>-server</a:t>
             </a:r>
           </a:p>
           <a:p>
             <a:r>
-              <a:rPr lang="es-CO" dirty="0" smtClean="0"/>
+              <a:rPr lang="es-CO" dirty="0"/>
               <a:t>Probar con POSTMAN</a:t>
             </a:r>
           </a:p>
           <a:p>
             <a:r>
-              <a:rPr lang="es-CO" dirty="0" smtClean="0"/>
+              <a:rPr lang="es-CO" dirty="0"/>
               <a:t>Usar </a:t>
             </a:r>
             <a:r>
-              <a:rPr lang="es-CO" dirty="0" err="1" smtClean="0"/>
+              <a:rPr lang="es-CO" dirty="0" err="1"/>
               <a:t>Swagger</a:t>
             </a:r>
             <a:r>
-              <a:rPr lang="es-CO" dirty="0" smtClean="0"/>
+              <a:rPr lang="es-CO" dirty="0"/>
               <a:t> Inspector</a:t>
             </a:r>
           </a:p>
           <a:p>
             <a:r>
-              <a:rPr lang="es-CO" smtClean="0"/>
+              <a:rPr lang="es-CO"/>
               <a:t>Generar Documentación</a:t>
             </a:r>
             <a:endParaRPr lang="es-CO" dirty="0"/>
@@ -10053,13 +9836,6 @@
   <p:clrMapOvr>
     <a:masterClrMapping/>
   </p:clrMapOvr>
-  <p:timing>
-    <p:tnLst>
-      <p:par>
-        <p:cTn id="1" dur="indefinite" restart="never" nodeType="tmRoot"/>
-      </p:par>
-    </p:tnLst>
-  </p:timing>
 </p:sld>
 </file>
 
@@ -10097,10 +9873,9 @@
           <a:p>
             <a:pPr algn="ctr"/>
             <a:r>
-              <a:rPr lang="es-CO" dirty="0" smtClean="0"/>
+              <a:rPr lang="es-CO" dirty="0"/>
               <a:t>Preguntas?</a:t>
             </a:r>
-            <a:endParaRPr lang="es-CO" dirty="0"/>
           </a:p>
         </p:txBody>
       </p:sp>
@@ -10135,13 +9910,6 @@
   <p:clrMapOvr>
     <a:masterClrMapping/>
   </p:clrMapOvr>
-  <p:timing>
-    <p:tnLst>
-      <p:par>
-        <p:cTn id="1" dur="indefinite" restart="never" nodeType="tmRoot"/>
-      </p:par>
-    </p:tnLst>
-  </p:timing>
 </p:sld>
 </file>
 
@@ -10178,10 +9946,9 @@
           <a:lstStyle/>
           <a:p>
             <a:r>
-              <a:rPr lang="es-CO" dirty="0" smtClean="0"/>
+              <a:rPr lang="es-CO" dirty="0"/>
               <a:t>API - Contexto</a:t>
             </a:r>
-            <a:endParaRPr lang="es-CO" dirty="0"/>
           </a:p>
         </p:txBody>
       </p:sp>
@@ -10206,18 +9973,17 @@
           <a:lstStyle/>
           <a:p>
             <a:r>
-              <a:rPr lang="es-CO" dirty="0" smtClean="0"/>
+              <a:rPr lang="es-CO" dirty="0"/>
               <a:t>Actualmente casi todas las aplicaciones que utilizamos diariamente, usan </a:t>
             </a:r>
             <a:r>
-              <a:rPr lang="es-CO" dirty="0" err="1" smtClean="0"/>
+              <a:rPr lang="es-CO" dirty="0" err="1"/>
               <a:t>APIs</a:t>
             </a:r>
             <a:r>
-              <a:rPr lang="es-CO" dirty="0" smtClean="0"/>
+              <a:rPr lang="es-CO" dirty="0"/>
               <a:t>, ya sea para traer, enviar o compartir datos.</a:t>
             </a:r>
-            <a:endParaRPr lang="es-CO" dirty="0"/>
           </a:p>
         </p:txBody>
       </p:sp>
@@ -10558,13 +10324,6 @@
   <p:clrMapOvr>
     <a:masterClrMapping/>
   </p:clrMapOvr>
-  <p:timing>
-    <p:tnLst>
-      <p:par>
-        <p:cTn id="1" dur="indefinite" restart="never" nodeType="tmRoot"/>
-      </p:par>
-    </p:tnLst>
-  </p:timing>
 </p:sld>
 </file>
 
@@ -10623,7 +10382,7 @@
           <a:p>
             <a:pPr algn="ctr"/>
             <a:r>
-              <a:rPr lang="en-US" sz="6600" b="1" cap="all" dirty="0" smtClean="0">
+              <a:rPr lang="en-US" sz="6600" b="1" cap="all" dirty="0">
                 <a:ln w="0"/>
                 <a:solidFill>
                   <a:srgbClr val="0066CC">
@@ -10637,18 +10396,6 @@
               </a:rPr>
               <a:t>Gracias!!!</a:t>
             </a:r>
-            <a:endParaRPr lang="en-US" sz="6600" b="1" cap="all" dirty="0">
-              <a:ln w="0"/>
-              <a:solidFill>
-                <a:srgbClr val="0066CC">
-                  <a:alpha val="74000"/>
-                </a:srgbClr>
-              </a:solidFill>
-              <a:effectLst>
-                <a:reflection blurRad="12700" stA="50000" endPos="50000" dist="5000" dir="5400000" sy="-100000" rotWithShape="0"/>
-              </a:effectLst>
-              <a:latin typeface="Berlin Sans FB Demi" pitchFamily="34" charset="0"/>
-            </a:endParaRPr>
           </a:p>
         </p:txBody>
       </p:sp>
@@ -10657,13 +10404,6 @@
   <p:clrMapOvr>
     <a:masterClrMapping/>
   </p:clrMapOvr>
-  <p:timing>
-    <p:tnLst>
-      <p:par>
-        <p:cTn id="1" dur="indefinite" restart="never" nodeType="tmRoot"/>
-      </p:par>
-    </p:tnLst>
-  </p:timing>
 </p:sld>
 </file>
 
@@ -10700,10 +10440,9 @@
           <a:lstStyle/>
           <a:p>
             <a:r>
-              <a:rPr lang="es-CO" dirty="0" smtClean="0"/>
+              <a:rPr lang="es-CO" dirty="0"/>
               <a:t>Qué es API?</a:t>
             </a:r>
-            <a:endParaRPr lang="es-CO" dirty="0"/>
           </a:p>
         </p:txBody>
       </p:sp>
@@ -10725,11 +10464,11 @@
           <a:lstStyle/>
           <a:p>
             <a:r>
-              <a:rPr lang="es-CO" sz="4800" dirty="0" smtClean="0"/>
+              <a:rPr lang="es-CO" sz="4800" dirty="0"/>
               <a:t>Es un </a:t>
             </a:r>
             <a:r>
-              <a:rPr lang="es-CO" sz="4800" b="1" dirty="0" smtClean="0">
+              <a:rPr lang="es-CO" sz="4800" b="1" dirty="0">
                 <a:solidFill>
                   <a:srgbClr val="7030A0"/>
                 </a:solidFill>
@@ -10737,7 +10476,7 @@
               <a:t>conjunto</a:t>
             </a:r>
             <a:r>
-              <a:rPr lang="es-CO" sz="4800" dirty="0" smtClean="0">
+              <a:rPr lang="es-CO" sz="4800" dirty="0">
                 <a:solidFill>
                   <a:srgbClr val="7030A0"/>
                 </a:solidFill>
@@ -10745,11 +10484,11 @@
               <a:t> </a:t>
             </a:r>
             <a:r>
-              <a:rPr lang="es-CO" sz="4800" dirty="0" smtClean="0"/>
+              <a:rPr lang="es-CO" sz="4800" dirty="0"/>
               <a:t>de </a:t>
             </a:r>
             <a:r>
-              <a:rPr lang="es-CO" sz="4800" b="1" dirty="0" smtClean="0">
+              <a:rPr lang="es-CO" sz="4800" b="1" dirty="0">
                 <a:solidFill>
                   <a:schemeClr val="tx2"/>
                 </a:solidFill>
@@ -10757,7 +10496,7 @@
               <a:t>definiciones</a:t>
             </a:r>
             <a:r>
-              <a:rPr lang="es-CO" sz="4800" dirty="0" smtClean="0">
+              <a:rPr lang="es-CO" sz="4800" dirty="0">
                 <a:solidFill>
                   <a:schemeClr val="tx2"/>
                 </a:solidFill>
@@ -10765,11 +10504,11 @@
               <a:t> </a:t>
             </a:r>
             <a:r>
-              <a:rPr lang="es-CO" sz="4800" dirty="0" smtClean="0"/>
+              <a:rPr lang="es-CO" sz="4800" dirty="0"/>
               <a:t>y </a:t>
             </a:r>
             <a:r>
-              <a:rPr lang="es-CO" sz="4800" b="1" dirty="0" smtClean="0">
+              <a:rPr lang="es-CO" sz="4800" b="1" dirty="0">
                 <a:solidFill>
                   <a:schemeClr val="accent3"/>
                 </a:solidFill>
@@ -10777,7 +10516,7 @@
               <a:t>protocolos</a:t>
             </a:r>
             <a:r>
-              <a:rPr lang="es-CO" sz="4800" dirty="0" smtClean="0">
+              <a:rPr lang="es-CO" sz="4800" dirty="0">
                 <a:solidFill>
                   <a:schemeClr val="accent3"/>
                 </a:solidFill>
@@ -10785,11 +10524,11 @@
               <a:t> </a:t>
             </a:r>
             <a:r>
-              <a:rPr lang="es-CO" sz="4800" dirty="0" smtClean="0"/>
+              <a:rPr lang="es-CO" sz="4800" dirty="0"/>
               <a:t>que se </a:t>
             </a:r>
             <a:r>
-              <a:rPr lang="es-CO" sz="4800" b="1" dirty="0" smtClean="0">
+              <a:rPr lang="es-CO" sz="4800" b="1" dirty="0">
                 <a:solidFill>
                   <a:schemeClr val="accent6"/>
                 </a:solidFill>
@@ -10797,7 +10536,7 @@
               <a:t>utilizan</a:t>
             </a:r>
             <a:r>
-              <a:rPr lang="es-CO" sz="4800" dirty="0" smtClean="0">
+              <a:rPr lang="es-CO" sz="4800" dirty="0">
                 <a:solidFill>
                   <a:schemeClr val="accent6"/>
                 </a:solidFill>
@@ -10805,11 +10544,11 @@
               <a:t> </a:t>
             </a:r>
             <a:r>
-              <a:rPr lang="es-CO" sz="4800" dirty="0" smtClean="0"/>
+              <a:rPr lang="es-CO" sz="4800" dirty="0"/>
               <a:t>para </a:t>
             </a:r>
             <a:r>
-              <a:rPr lang="es-CO" sz="4800" b="1" dirty="0" smtClean="0">
+              <a:rPr lang="es-CO" sz="4800" b="1" dirty="0">
                 <a:solidFill>
                   <a:schemeClr val="accent2"/>
                 </a:solidFill>
@@ -10817,7 +10556,7 @@
               <a:t>desarrollar</a:t>
             </a:r>
             <a:r>
-              <a:rPr lang="es-CO" sz="4800" dirty="0" smtClean="0">
+              <a:rPr lang="es-CO" sz="4800" dirty="0">
                 <a:solidFill>
                   <a:schemeClr val="accent2"/>
                 </a:solidFill>
@@ -10825,11 +10564,11 @@
               <a:t> </a:t>
             </a:r>
             <a:r>
-              <a:rPr lang="es-CO" sz="4800" dirty="0" smtClean="0"/>
+              <a:rPr lang="es-CO" sz="4800" dirty="0"/>
               <a:t>e </a:t>
             </a:r>
             <a:r>
-              <a:rPr lang="es-CO" sz="4800" b="1" dirty="0" smtClean="0">
+              <a:rPr lang="es-CO" sz="4800" b="1" dirty="0">
                 <a:solidFill>
                   <a:schemeClr val="accent5"/>
                 </a:solidFill>
@@ -10837,7 +10576,7 @@
               <a:t>integrar</a:t>
             </a:r>
             <a:r>
-              <a:rPr lang="es-CO" sz="4800" dirty="0" smtClean="0">
+              <a:rPr lang="es-CO" sz="4800" dirty="0">
                 <a:solidFill>
                   <a:schemeClr val="accent5"/>
                 </a:solidFill>
@@ -10845,7 +10584,7 @@
               <a:t> </a:t>
             </a:r>
             <a:r>
-              <a:rPr lang="es-CO" sz="4800" b="1" dirty="0" smtClean="0">
+              <a:rPr lang="es-CO" sz="4800" b="1" dirty="0">
                 <a:solidFill>
                   <a:srgbClr val="FF0000"/>
                 </a:solidFill>
@@ -10853,10 +10592,9 @@
               <a:t>aplicaciones</a:t>
             </a:r>
             <a:r>
-              <a:rPr lang="es-CO" sz="4800" dirty="0" smtClean="0"/>
+              <a:rPr lang="es-CO" sz="4800" dirty="0"/>
               <a:t>.</a:t>
             </a:r>
-            <a:endParaRPr lang="es-CO" sz="4800" dirty="0"/>
           </a:p>
         </p:txBody>
       </p:sp>
@@ -10921,13 +10659,6 @@
   <p:clrMapOvr>
     <a:masterClrMapping/>
   </p:clrMapOvr>
-  <p:timing>
-    <p:tnLst>
-      <p:par>
-        <p:cTn id="1" dur="indefinite" restart="never" nodeType="tmRoot"/>
-      </p:par>
-    </p:tnLst>
-  </p:timing>
 </p:sld>
 </file>
 
@@ -10964,10 +10695,9 @@
           <a:lstStyle/>
           <a:p>
             <a:r>
-              <a:rPr lang="es-CO" dirty="0" smtClean="0"/>
+              <a:rPr lang="es-CO" dirty="0"/>
               <a:t>Para que sirve una API?</a:t>
             </a:r>
-            <a:endParaRPr lang="es-CO" dirty="0"/>
           </a:p>
         </p:txBody>
       </p:sp>
@@ -10987,34 +10717,33 @@
           <a:lstStyle/>
           <a:p>
             <a:r>
-              <a:rPr lang="es-CO" dirty="0" smtClean="0"/>
+              <a:rPr lang="es-CO" dirty="0"/>
               <a:t>Integrar Sistemas</a:t>
             </a:r>
           </a:p>
           <a:p>
             <a:r>
-              <a:rPr lang="es-CO" dirty="0" smtClean="0"/>
+              <a:rPr lang="es-CO" dirty="0"/>
               <a:t>Facilitar el trabajo a los desarrolladores, ahorrando tiempo y dinero.</a:t>
             </a:r>
           </a:p>
           <a:p>
             <a:r>
-              <a:rPr lang="es-CO" dirty="0" smtClean="0"/>
+              <a:rPr lang="es-CO" dirty="0"/>
               <a:t>Abstraer en un lenguaje mas natural la forma en como se comunican dos aplicaciones</a:t>
             </a:r>
           </a:p>
           <a:p>
             <a:r>
-              <a:rPr lang="es-CO" dirty="0" smtClean="0"/>
+              <a:rPr lang="es-CO" dirty="0"/>
               <a:t>Automatizar el intercambio de datos entre diferentes tipos de software.</a:t>
             </a:r>
           </a:p>
           <a:p>
             <a:r>
-              <a:rPr lang="es-CO" dirty="0" smtClean="0"/>
+              <a:rPr lang="es-CO" dirty="0"/>
               <a:t>Controlar el Acceso a los recursos</a:t>
             </a:r>
-            <a:endParaRPr lang="es-CO" dirty="0"/>
           </a:p>
         </p:txBody>
       </p:sp>
@@ -11079,10 +10808,9 @@
           <a:lstStyle/>
           <a:p>
             <a:r>
-              <a:rPr lang="es-CO" sz="11500" dirty="0" smtClean="0"/>
+              <a:rPr lang="es-CO" sz="11500" dirty="0"/>
               <a:t>API</a:t>
             </a:r>
-            <a:endParaRPr lang="es-CO" sz="11500" dirty="0"/>
           </a:p>
         </p:txBody>
       </p:sp>
@@ -11407,10 +11135,9 @@
           <a:lstStyle/>
           <a:p>
             <a:r>
-              <a:rPr lang="es-CO" dirty="0" smtClean="0"/>
+              <a:rPr lang="es-CO" dirty="0"/>
               <a:t>Como funciona una API?</a:t>
             </a:r>
-            <a:endParaRPr lang="es-CO" dirty="0"/>
           </a:p>
         </p:txBody>
       </p:sp>
@@ -11476,13 +11203,6 @@
   <p:clrMapOvr>
     <a:masterClrMapping/>
   </p:clrMapOvr>
-  <p:timing>
-    <p:tnLst>
-      <p:par>
-        <p:cTn id="1" dur="indefinite" restart="never" nodeType="tmRoot"/>
-      </p:par>
-    </p:tnLst>
-  </p:timing>
 </p:sld>
 </file>
 
@@ -11519,10 +11239,9 @@
           <a:lstStyle/>
           <a:p>
             <a:r>
-              <a:rPr lang="es-CO" dirty="0" smtClean="0"/>
+              <a:rPr lang="es-CO" dirty="0"/>
               <a:t>Tipos de API – Políticas de Uso</a:t>
             </a:r>
-            <a:endParaRPr lang="es-CO" dirty="0"/>
           </a:p>
         </p:txBody>
       </p:sp>
@@ -11542,28 +11261,27 @@
           <a:lstStyle/>
           <a:p>
             <a:r>
-              <a:rPr lang="es-CO" dirty="0" smtClean="0"/>
+              <a:rPr lang="es-CO" dirty="0"/>
               <a:t>Publicas o abiertas</a:t>
             </a:r>
           </a:p>
           <a:p>
             <a:r>
-              <a:rPr lang="es-CO" dirty="0" smtClean="0"/>
+              <a:rPr lang="es-CO" dirty="0"/>
               <a:t>Privadas o Internas</a:t>
             </a:r>
           </a:p>
           <a:p>
             <a:r>
-              <a:rPr lang="es-CO" dirty="0" smtClean="0"/>
+              <a:rPr lang="es-CO" dirty="0"/>
               <a:t>De Aliados Comerciales</a:t>
             </a:r>
           </a:p>
           <a:p>
             <a:r>
-              <a:rPr lang="es-CO" dirty="0" smtClean="0"/>
+              <a:rPr lang="es-CO" dirty="0"/>
               <a:t>Compuestas</a:t>
             </a:r>
-            <a:endParaRPr lang="es-CO" dirty="0"/>
           </a:p>
         </p:txBody>
       </p:sp>
@@ -11607,13 +11325,6 @@
   <p:clrMapOvr>
     <a:masterClrMapping/>
   </p:clrMapOvr>
-  <p:timing>
-    <p:tnLst>
-      <p:par>
-        <p:cTn id="1" dur="indefinite" restart="never" nodeType="tmRoot"/>
-      </p:par>
-    </p:tnLst>
-  </p:timing>
 </p:sld>
 </file>
 
@@ -11650,10 +11361,9 @@
           <a:lstStyle/>
           <a:p>
             <a:r>
-              <a:rPr lang="es-CO" dirty="0" smtClean="0"/>
+              <a:rPr lang="es-CO" dirty="0"/>
               <a:t>Tipos de API – Casos de Uso</a:t>
             </a:r>
-            <a:endParaRPr lang="es-CO" dirty="0"/>
           </a:p>
         </p:txBody>
       </p:sp>
@@ -11673,28 +11383,27 @@
           <a:lstStyle/>
           <a:p>
             <a:r>
-              <a:rPr lang="es-CO" dirty="0" smtClean="0"/>
+              <a:rPr lang="es-CO" dirty="0"/>
               <a:t>Datos</a:t>
             </a:r>
           </a:p>
           <a:p>
             <a:r>
-              <a:rPr lang="es-CO" dirty="0" smtClean="0"/>
+              <a:rPr lang="es-CO" dirty="0"/>
               <a:t>Sistemas Operativos</a:t>
             </a:r>
           </a:p>
           <a:p>
             <a:r>
-              <a:rPr lang="es-CO" dirty="0" smtClean="0"/>
+              <a:rPr lang="es-CO" dirty="0"/>
               <a:t>Remotas</a:t>
             </a:r>
           </a:p>
           <a:p>
             <a:r>
-              <a:rPr lang="es-CO" dirty="0" smtClean="0"/>
+              <a:rPr lang="es-CO" dirty="0"/>
               <a:t>Web</a:t>
             </a:r>
-            <a:endParaRPr lang="es-CO" dirty="0"/>
           </a:p>
         </p:txBody>
       </p:sp>
@@ -11759,13 +11468,6 @@
   <p:clrMapOvr>
     <a:masterClrMapping/>
   </p:clrMapOvr>
-  <p:timing>
-    <p:tnLst>
-      <p:par>
-        <p:cTn id="1" dur="indefinite" restart="never" nodeType="tmRoot"/>
-      </p:par>
-    </p:tnLst>
-  </p:timing>
 </p:sld>
 </file>
 
@@ -11802,10 +11504,9 @@
           <a:lstStyle/>
           <a:p>
             <a:r>
-              <a:rPr lang="es-CO" dirty="0" smtClean="0"/>
+              <a:rPr lang="es-CO" dirty="0"/>
               <a:t>Ventajas de una API</a:t>
             </a:r>
-            <a:endParaRPr lang="es-CO" dirty="0"/>
           </a:p>
         </p:txBody>
       </p:sp>
@@ -11825,25 +11526,25 @@
           <a:lstStyle/>
           <a:p>
             <a:r>
-              <a:rPr lang="es-CO" dirty="0" smtClean="0"/>
+              <a:rPr lang="es-CO" dirty="0"/>
               <a:t>Independencia de lenguajes y tecnologías</a:t>
             </a:r>
           </a:p>
           <a:p>
             <a:r>
-              <a:rPr lang="es-CO" dirty="0" smtClean="0"/>
+              <a:rPr lang="es-CO" dirty="0"/>
               <a:t>Experiencia de Usuario</a:t>
             </a:r>
           </a:p>
           <a:p>
             <a:r>
-              <a:rPr lang="es-CO" dirty="0" smtClean="0"/>
+              <a:rPr lang="es-CO" dirty="0"/>
               <a:t>Separación cliente/servidor</a:t>
             </a:r>
           </a:p>
           <a:p>
             <a:r>
-              <a:rPr lang="es-CO" dirty="0" smtClean="0"/>
+              <a:rPr lang="es-CO" dirty="0"/>
               <a:t>Escalabilidad, fiabilidad y flexibilidad</a:t>
             </a:r>
           </a:p>
@@ -11913,13 +11614,6 @@
   <p:clrMapOvr>
     <a:masterClrMapping/>
   </p:clrMapOvr>
-  <p:timing>
-    <p:tnLst>
-      <p:par>
-        <p:cTn id="1" dur="indefinite" restart="never" nodeType="tmRoot"/>
-      </p:par>
-    </p:tnLst>
-  </p:timing>
 </p:sld>
 </file>
 
@@ -11956,10 +11650,9 @@
           <a:lstStyle/>
           <a:p>
             <a:r>
-              <a:rPr lang="es-CO" dirty="0" smtClean="0"/>
+              <a:rPr lang="es-CO" dirty="0"/>
               <a:t>Algo de Historia</a:t>
             </a:r>
-            <a:endParaRPr lang="es-CO" dirty="0"/>
           </a:p>
         </p:txBody>
       </p:sp>
@@ -11981,53 +11674,25 @@
           <a:lstStyle/>
           <a:p>
             <a:r>
-              <a:rPr lang="es-CO" sz="2400" dirty="0" smtClean="0"/>
-              <a:t>Inicia en </a:t>
-            </a:r>
-            <a:r>
               <a:rPr lang="es-CO" sz="2400" dirty="0"/>
-              <a:t>los años 60, </a:t>
-            </a:r>
-            <a:r>
-              <a:rPr lang="es-CO" sz="2400" dirty="0" smtClean="0"/>
-              <a:t>como </a:t>
-            </a:r>
+              <a:t>Inicia en los años 60, como bibliotecas en los sistemas operativos.</a:t>
+            </a:r>
+          </a:p>
+          <a:p>
             <a:r>
               <a:rPr lang="es-CO" sz="2400" dirty="0"/>
-              <a:t>bibliotecas en los sistemas operativos</a:t>
-            </a:r>
-            <a:r>
-              <a:rPr lang="es-CO" sz="2400" dirty="0" smtClean="0"/>
-              <a:t>.</a:t>
+              <a:t>En la década de los 70, surgieron métodos que permitieron el acceso remoto a procedimientos.</a:t>
             </a:r>
           </a:p>
           <a:p>
             <a:r>
               <a:rPr lang="es-CO" sz="2400" dirty="0"/>
-              <a:t>En la década de los 70, </a:t>
-            </a:r>
-            <a:r>
-              <a:rPr lang="es-CO" sz="2400" dirty="0" smtClean="0"/>
-              <a:t>surgieron </a:t>
-            </a:r>
+              <a:t>En los 90’s evolucionaron con la inclusión de la OOP y la aparición de la Web</a:t>
+            </a:r>
+          </a:p>
+          <a:p>
             <a:r>
               <a:rPr lang="es-CO" sz="2400" dirty="0"/>
-              <a:t>métodos que permitieron el acceso </a:t>
-            </a:r>
-            <a:r>
-              <a:rPr lang="es-CO" sz="2400" dirty="0" smtClean="0"/>
-              <a:t>remoto a procedimientos.</a:t>
-            </a:r>
-          </a:p>
-          <a:p>
-            <a:r>
-              <a:rPr lang="es-CO" sz="2400" dirty="0" smtClean="0"/>
-              <a:t>En los 90’s evolucionaron con la inclusión de la OOP y la aparición de la Web</a:t>
-            </a:r>
-          </a:p>
-          <a:p>
-            <a:r>
-              <a:rPr lang="es-CO" sz="2400" dirty="0" smtClean="0"/>
               <a:t>A partir del 2005, comenzó el uso de lo que hoy conocemos con Web API, que es su concepto mas popular hasta hoy.</a:t>
             </a:r>
           </a:p>
@@ -12067,13 +11732,6 @@
   <p:clrMapOvr>
     <a:masterClrMapping/>
   </p:clrMapOvr>
-  <p:timing>
-    <p:tnLst>
-      <p:par>
-        <p:cTn id="1" dur="indefinite" restart="never" nodeType="tmRoot"/>
-      </p:par>
-    </p:tnLst>
-  </p:timing>
 </p:sld>
 </file>
 
